--- a/JAVA设计模式初级入门.pptx
+++ b/JAVA设计模式初级入门.pptx
@@ -5437,7 +5437,7 @@
         <p:spPr>
           <a:xfrm>
             <a:off x="2503805" y="1167130"/>
-            <a:ext cx="9577705" cy="1630045"/>
+            <a:ext cx="6459220" cy="1630045"/>
           </a:xfrm>
           <a:prstGeom prst="rect">
             <a:avLst/>
@@ -5464,7 +5464,7 @@
                 <a:ea typeface="+mj-ea"/>
                 <a:cs typeface="+mj-ea"/>
               </a:rPr>
-              <a:t>初始项目下载</a:t>
+              <a:t>初始化项目下载</a:t>
             </a:r>
             <a:endParaRPr lang="zh-CN" altLang="en-US" sz="5400">
               <a:latin typeface="+mj-ea"/>
@@ -5520,7 +5520,7 @@
                 <a:ea typeface="+mj-ea"/>
                 <a:cs typeface="+mj-ea"/>
               </a:rPr>
-              <a:t>:https://developers.weixin.qq.com/miniprogram/dev/devtools/download.html</a:t>
+              <a:t>:https://github.com/roet80736/JAVADesignMode</a:t>
             </a:r>
             <a:endParaRPr lang="en-US" altLang="zh-CN">
               <a:latin typeface="+mj-ea"/>
@@ -5530,6 +5530,30 @@
           </a:p>
         </p:txBody>
       </p:sp>
+      <p:pic>
+        <p:nvPicPr>
+          <p:cNvPr id="4" name="图片 3"/>
+          <p:cNvPicPr>
+            <a:picLocks noChangeAspect="1"/>
+          </p:cNvPicPr>
+          <p:nvPr/>
+        </p:nvPicPr>
+        <p:blipFill>
+          <a:blip r:embed="rId1"/>
+          <a:stretch>
+            <a:fillRect/>
+          </a:stretch>
+        </p:blipFill>
+        <p:spPr>
+          <a:xfrm>
+            <a:off x="2312670" y="2797175"/>
+            <a:ext cx="9751695" cy="2894965"/>
+          </a:xfrm>
+          <a:prstGeom prst="rect">
+            <a:avLst/>
+          </a:prstGeom>
+        </p:spPr>
+      </p:pic>
     </p:spTree>
   </p:cSld>
   <p:clrMapOvr>
@@ -5564,7 +5588,7 @@
         <p:spPr>
           <a:xfrm>
             <a:off x="2677160" y="813435"/>
-            <a:ext cx="6922135" cy="922020"/>
+            <a:ext cx="9457055" cy="2183765"/>
           </a:xfrm>
           <a:prstGeom prst="rect">
             <a:avLst/>
@@ -5588,9 +5612,160 @@
                 <a:latin typeface="+mn-ea"/>
                 <a:cs typeface="+mn-ea"/>
               </a:rPr>
-              <a:t>初始化项目基本结构</a:t>
+              <a:t>导入项目</a:t>
             </a:r>
             <a:endParaRPr lang="zh-CN" altLang="en-US" sz="5400">
+              <a:latin typeface="+mn-ea"/>
+              <a:cs typeface="+mn-ea"/>
+            </a:endParaRPr>
+          </a:p>
+          <a:p>
+            <a:r>
+              <a:rPr lang="en-US" altLang="zh-CN" sz="5400">
+                <a:latin typeface="+mn-ea"/>
+                <a:cs typeface="+mn-ea"/>
+              </a:rPr>
+              <a:t>  </a:t>
+            </a:r>
+            <a:r>
+              <a:rPr lang="en-US" altLang="zh-CN" sz="2800">
+                <a:latin typeface="+mn-ea"/>
+                <a:cs typeface="+mn-ea"/>
+              </a:rPr>
+              <a:t>2.1:</a:t>
+            </a:r>
+            <a:r>
+              <a:rPr lang="zh-CN" altLang="en-US" sz="2800">
+                <a:latin typeface="+mn-ea"/>
+                <a:cs typeface="+mn-ea"/>
+              </a:rPr>
+              <a:t>导入</a:t>
+            </a:r>
+            <a:r>
+              <a:rPr lang="en-US" altLang="zh-CN" sz="2800">
+                <a:latin typeface="+mn-ea"/>
+                <a:cs typeface="+mn-ea"/>
+              </a:rPr>
+              <a:t>design-mode</a:t>
+            </a:r>
+            <a:r>
+              <a:rPr lang="zh-CN" altLang="en-US" sz="2800">
+                <a:latin typeface="+mn-ea"/>
+                <a:cs typeface="+mn-ea"/>
+              </a:rPr>
+              <a:t>项目到你的</a:t>
+            </a:r>
+            <a:r>
+              <a:rPr lang="en-US" altLang="zh-CN" sz="2800">
+                <a:latin typeface="+mn-ea"/>
+                <a:cs typeface="+mn-ea"/>
+              </a:rPr>
+              <a:t>java</a:t>
+            </a:r>
+            <a:r>
+              <a:rPr lang="zh-CN" altLang="en-US" sz="2800">
+                <a:latin typeface="+mn-ea"/>
+                <a:cs typeface="+mn-ea"/>
+              </a:rPr>
+              <a:t>开发工具并下载好</a:t>
+            </a:r>
+            <a:endParaRPr lang="zh-CN" altLang="en-US" sz="2800">
+              <a:latin typeface="+mn-ea"/>
+              <a:cs typeface="+mn-ea"/>
+            </a:endParaRPr>
+          </a:p>
+          <a:p>
+            <a:r>
+              <a:rPr lang="zh-CN" altLang="en-US" sz="2800">
+                <a:latin typeface="+mn-ea"/>
+                <a:cs typeface="+mn-ea"/>
+              </a:rPr>
+              <a:t>所有依赖</a:t>
+            </a:r>
+            <a:r>
+              <a:rPr lang="en-US" altLang="zh-CN" sz="2800">
+                <a:latin typeface="+mn-ea"/>
+                <a:cs typeface="+mn-ea"/>
+              </a:rPr>
+              <a:t>.</a:t>
+            </a:r>
+            <a:endParaRPr lang="en-US" altLang="zh-CN" sz="2800">
+              <a:latin typeface="+mn-ea"/>
+              <a:cs typeface="+mn-ea"/>
+            </a:endParaRPr>
+          </a:p>
+        </p:txBody>
+      </p:sp>
+      <p:sp>
+        <p:nvSpPr>
+          <p:cNvPr id="5" name="文本框 4"/>
+          <p:cNvSpPr txBox="1"/>
+          <p:nvPr/>
+        </p:nvSpPr>
+        <p:spPr>
+          <a:xfrm>
+            <a:off x="3121025" y="2997200"/>
+            <a:ext cx="9269730" cy="1383665"/>
+          </a:xfrm>
+          <a:prstGeom prst="rect">
+            <a:avLst/>
+          </a:prstGeom>
+          <a:noFill/>
+        </p:spPr>
+        <p:txBody>
+          <a:bodyPr wrap="square" rtlCol="0">
+            <a:spAutoFit/>
+          </a:bodyPr>
+          <a:p>
+            <a:r>
+              <a:rPr lang="en-US" altLang="zh-CN" sz="2800">
+                <a:latin typeface="+mn-ea"/>
+                <a:cs typeface="+mn-ea"/>
+              </a:rPr>
+              <a:t>2.2: </a:t>
+            </a:r>
+            <a:r>
+              <a:rPr lang="zh-CN" altLang="en-US" sz="2800">
+                <a:latin typeface="+mn-ea"/>
+                <a:cs typeface="+mn-ea"/>
+              </a:rPr>
+              <a:t>找到项目的</a:t>
+            </a:r>
+            <a:r>
+              <a:rPr lang="en-US" altLang="zh-CN" sz="2800">
+                <a:latin typeface="+mn-ea"/>
+                <a:cs typeface="+mn-ea"/>
+              </a:rPr>
+              <a:t>doc</a:t>
+            </a:r>
+            <a:r>
+              <a:rPr lang="zh-CN" altLang="en-US" sz="2800">
+                <a:latin typeface="+mn-ea"/>
+                <a:cs typeface="+mn-ea"/>
+              </a:rPr>
+              <a:t>目录</a:t>
+            </a:r>
+            <a:r>
+              <a:rPr lang="en-US" altLang="zh-CN" sz="2800">
+                <a:latin typeface="+mn-ea"/>
+                <a:cs typeface="+mn-ea"/>
+              </a:rPr>
+              <a:t>,</a:t>
+            </a:r>
+            <a:r>
+              <a:rPr lang="zh-CN" altLang="en-US" sz="2800">
+                <a:latin typeface="+mn-ea"/>
+                <a:cs typeface="+mn-ea"/>
+              </a:rPr>
+              <a:t>在你自己电脑上的数据库导入数据初始化脚本</a:t>
+            </a:r>
+            <a:endParaRPr lang="zh-CN" altLang="en-US" sz="2800">
+              <a:latin typeface="+mn-ea"/>
+              <a:cs typeface="+mn-ea"/>
+            </a:endParaRPr>
+          </a:p>
+          <a:p>
+            <a:endParaRPr lang="zh-CN" altLang="en-US" sz="2800">
               <a:latin typeface="+mn-ea"/>
               <a:cs typeface="+mn-ea"/>
             </a:endParaRPr>
@@ -5599,7 +5774,7 @@
       </p:sp>
       <p:pic>
         <p:nvPicPr>
-          <p:cNvPr id="3" name="图片 2"/>
+          <p:cNvPr id="7" name="图片 6"/>
           <p:cNvPicPr>
             <a:picLocks noChangeAspect="1"/>
           </p:cNvPicPr>
@@ -5613,8 +5788,8 @@
         </p:blipFill>
         <p:spPr>
           <a:xfrm>
-            <a:off x="3085465" y="1636395"/>
-            <a:ext cx="3914140" cy="4514215"/>
+            <a:off x="4503420" y="3960495"/>
+            <a:ext cx="7505065" cy="2495550"/>
           </a:xfrm>
           <a:prstGeom prst="rect">
             <a:avLst/>
@@ -5648,14 +5823,14 @@
       </p:grpSpPr>
       <p:sp>
         <p:nvSpPr>
-          <p:cNvPr id="2" name="文本框 1"/>
+          <p:cNvPr id="3" name="文本框 2"/>
           <p:cNvSpPr txBox="1"/>
           <p:nvPr/>
         </p:nvSpPr>
         <p:spPr>
           <a:xfrm>
-            <a:off x="753110" y="765175"/>
-            <a:ext cx="8979535" cy="922020"/>
+            <a:off x="1256030" y="741045"/>
+            <a:ext cx="10914380" cy="953135"/>
           </a:xfrm>
           <a:prstGeom prst="rect">
             <a:avLst/>
@@ -5663,258 +5838,125 @@
           <a:noFill/>
         </p:spPr>
         <p:txBody>
-          <a:bodyPr wrap="none" rtlCol="0">
+          <a:bodyPr wrap="none" rtlCol="0" anchor="t">
             <a:spAutoFit/>
           </a:bodyPr>
           <a:p>
             <a:r>
-              <a:rPr lang="en-US" altLang="zh-CN" sz="5400">
+              <a:rPr lang="en-US" altLang="zh-CN" sz="2800">
                 <a:latin typeface="+mn-ea"/>
                 <a:cs typeface="+mn-ea"/>
-              </a:rPr>
-              <a:t>3:</a:t>
-            </a:r>
-            <a:r>
-              <a:rPr lang="zh-CN" altLang="en-US" sz="5400">
+                <a:sym typeface="+mn-ea"/>
+              </a:rPr>
+              <a:t>2.3:</a:t>
+            </a:r>
+            <a:r>
+              <a:rPr lang="zh-CN" altLang="en-US" sz="2800">
                 <a:latin typeface="+mn-ea"/>
                 <a:cs typeface="+mn-ea"/>
-              </a:rPr>
-              <a:t>小程序基本目录和文件讲解</a:t>
-            </a:r>
-            <a:endParaRPr lang="zh-CN" altLang="en-US" sz="5400">
+                <a:sym typeface="+mn-ea"/>
+              </a:rPr>
+              <a:t>找到项目下的</a:t>
+            </a:r>
+            <a:r>
+              <a:rPr lang="en-US" altLang="zh-CN" sz="2800">
+                <a:latin typeface="+mn-ea"/>
+                <a:cs typeface="+mn-ea"/>
+                <a:sym typeface="+mn-ea"/>
+              </a:rPr>
+              <a:t>application.yml</a:t>
+            </a:r>
+            <a:r>
+              <a:rPr lang="zh-CN" altLang="en-US" sz="2800">
+                <a:latin typeface="+mn-ea"/>
+                <a:cs typeface="+mn-ea"/>
+                <a:sym typeface="+mn-ea"/>
+              </a:rPr>
+              <a:t>文件</a:t>
+            </a:r>
+            <a:r>
+              <a:rPr lang="en-US" altLang="zh-CN" sz="2800">
+                <a:latin typeface="+mn-ea"/>
+                <a:cs typeface="+mn-ea"/>
+                <a:sym typeface="+mn-ea"/>
+              </a:rPr>
+              <a:t>,</a:t>
+            </a:r>
+            <a:r>
+              <a:rPr lang="zh-CN" altLang="en-US" sz="2800">
+                <a:latin typeface="+mn-ea"/>
+                <a:cs typeface="+mn-ea"/>
+                <a:sym typeface="+mn-ea"/>
+              </a:rPr>
+              <a:t>把数据库连接参数改成你自己</a:t>
+            </a:r>
+            <a:endParaRPr lang="zh-CN" altLang="en-US" sz="2800">
               <a:latin typeface="+mn-ea"/>
               <a:cs typeface="+mn-ea"/>
+              <a:sym typeface="+mn-ea"/>
             </a:endParaRPr>
+          </a:p>
+          <a:p>
+            <a:r>
+              <a:rPr lang="zh-CN" altLang="en-US" sz="2800">
+                <a:latin typeface="+mn-ea"/>
+                <a:cs typeface="+mn-ea"/>
+                <a:sym typeface="+mn-ea"/>
+              </a:rPr>
+              <a:t>      的数据库连接参数</a:t>
+            </a:r>
+            <a:r>
+              <a:rPr lang="en-US" altLang="zh-CN" sz="2800">
+                <a:latin typeface="+mn-ea"/>
+                <a:cs typeface="+mn-ea"/>
+                <a:sym typeface="+mn-ea"/>
+              </a:rPr>
+              <a:t>,</a:t>
+            </a:r>
+            <a:r>
+              <a:rPr lang="zh-CN" altLang="en-US" sz="2800">
+                <a:latin typeface="+mn-ea"/>
+                <a:cs typeface="+mn-ea"/>
+                <a:sym typeface="+mn-ea"/>
+              </a:rPr>
+              <a:t>如下图所示</a:t>
+            </a:r>
+            <a:r>
+              <a:rPr lang="en-US" altLang="zh-CN" sz="2800">
+                <a:latin typeface="+mn-ea"/>
+                <a:cs typeface="+mn-ea"/>
+                <a:sym typeface="+mn-ea"/>
+              </a:rPr>
+              <a:t> </a:t>
+            </a:r>
+            <a:endParaRPr lang="zh-CN" altLang="en-US" sz="2800"/>
           </a:p>
         </p:txBody>
       </p:sp>
       <p:pic>
         <p:nvPicPr>
-          <p:cNvPr id="4" name="图片 3"/>
+          <p:cNvPr id="6" name="图片 5"/>
           <p:cNvPicPr>
             <a:picLocks noChangeAspect="1"/>
           </p:cNvPicPr>
           <p:nvPr/>
         </p:nvPicPr>
         <p:blipFill>
-          <a:blip r:embed="rId1">
-            <a:extLst>
-              <a:ext uri="{BEBA8EAE-BF5A-486C-A8C5-ECC9F3942E4B}">
-                <a14:imgProps xmlns:a14="http://schemas.microsoft.com/office/drawing/2010/main">
-                  <a14:imgLayer r:embed="rId2"/>
-                </a14:imgProps>
-              </a:ext>
-            </a:extLst>
-          </a:blip>
-          <a:srcRect/>
+          <a:blip r:embed="rId1"/>
           <a:stretch>
             <a:fillRect/>
           </a:stretch>
         </p:blipFill>
         <p:spPr>
           <a:xfrm>
-            <a:off x="753110" y="1612900"/>
-            <a:ext cx="2847340" cy="4657090"/>
+            <a:off x="4222750" y="2053590"/>
+            <a:ext cx="7980680" cy="4799965"/>
           </a:xfrm>
           <a:prstGeom prst="rect">
             <a:avLst/>
           </a:prstGeom>
         </p:spPr>
       </p:pic>
-      <p:sp>
-        <p:nvSpPr>
-          <p:cNvPr id="5" name="文本框 4"/>
-          <p:cNvSpPr txBox="1"/>
-          <p:nvPr/>
-        </p:nvSpPr>
-        <p:spPr>
-          <a:xfrm>
-            <a:off x="4698365" y="2021205"/>
-            <a:ext cx="7485380" cy="2861310"/>
-          </a:xfrm>
-          <a:prstGeom prst="rect">
-            <a:avLst/>
-          </a:prstGeom>
-          <a:noFill/>
-        </p:spPr>
-        <p:txBody>
-          <a:bodyPr wrap="none" rtlCol="0">
-            <a:spAutoFit/>
-          </a:bodyPr>
-          <a:p>
-            <a:pPr algn="l"/>
-            <a:r>
-              <a:rPr lang="zh-CN" altLang="en-US"/>
-              <a:t>一</a:t>
-            </a:r>
-            <a:r>
-              <a:rPr lang="en-US" altLang="zh-CN"/>
-              <a:t>:pages  ----</a:t>
-            </a:r>
-            <a:r>
-              <a:rPr lang="zh-CN" altLang="en-US"/>
-              <a:t>所有的业务页面</a:t>
-            </a:r>
-            <a:endParaRPr lang="en-US" altLang="zh-CN"/>
-          </a:p>
-          <a:p>
-            <a:pPr algn="l"/>
-            <a:r>
-              <a:rPr lang="en-US" altLang="zh-CN"/>
-              <a:t>     1:index.js   ---- .js 后缀的 </a:t>
-            </a:r>
-            <a:r>
-              <a:rPr lang="zh-CN" altLang="en-US"/>
-              <a:t>页面</a:t>
-            </a:r>
-            <a:r>
-              <a:rPr lang="en-US" altLang="zh-CN"/>
-              <a:t>脚本逻辑文件</a:t>
-            </a:r>
-            <a:endParaRPr lang="en-US" altLang="zh-CN"/>
-          </a:p>
-          <a:p>
-            <a:pPr algn="l"/>
-            <a:r>
-              <a:rPr lang="en-US" altLang="zh-CN"/>
-              <a:t>     2:index.wxml  ----- .wxml 后缀 </a:t>
-            </a:r>
-            <a:r>
-              <a:rPr lang="zh-CN" altLang="en-US"/>
-              <a:t>页面显示的</a:t>
-            </a:r>
-            <a:r>
-              <a:rPr lang="en-US" altLang="zh-CN"/>
-              <a:t>文件,</a:t>
-            </a:r>
-            <a:r>
-              <a:rPr lang="zh-CN" altLang="en-US"/>
-              <a:t>只支持微信特有标签</a:t>
-            </a:r>
-            <a:endParaRPr lang="en-US" altLang="zh-CN"/>
-          </a:p>
-          <a:p>
-            <a:pPr algn="l"/>
-            <a:r>
-              <a:rPr lang="en-US" altLang="zh-CN"/>
-              <a:t>     3:index.wxss   ----.wxss 后缀 </a:t>
-            </a:r>
-            <a:r>
-              <a:rPr lang="zh-CN" altLang="en-US"/>
-              <a:t>页面</a:t>
-            </a:r>
-            <a:r>
-              <a:rPr lang="en-US" altLang="zh-CN"/>
-              <a:t>CSS 样式文件</a:t>
-            </a:r>
-            <a:endParaRPr lang="zh-CN" altLang="en-US"/>
-          </a:p>
-          <a:p>
-            <a:pPr algn="l"/>
-            <a:r>
-              <a:rPr lang="zh-CN" altLang="en-US"/>
-              <a:t>二</a:t>
-            </a:r>
-            <a:r>
-              <a:rPr lang="en-US" altLang="zh-CN"/>
-              <a:t>:utils         ----</a:t>
-            </a:r>
-            <a:r>
-              <a:rPr lang="zh-CN" altLang="en-US"/>
-              <a:t>全局</a:t>
-            </a:r>
-            <a:r>
-              <a:rPr lang="en-US" altLang="zh-CN"/>
-              <a:t>js</a:t>
-            </a:r>
-            <a:r>
-              <a:rPr lang="zh-CN" altLang="en-US"/>
-              <a:t>工具库</a:t>
-            </a:r>
-            <a:endParaRPr lang="en-US" altLang="zh-CN"/>
-          </a:p>
-          <a:p>
-            <a:pPr algn="l"/>
-            <a:r>
-              <a:rPr lang="zh-CN" altLang="en-US"/>
-              <a:t>三</a:t>
-            </a:r>
-            <a:r>
-              <a:rPr lang="en-US" altLang="zh-CN"/>
-              <a:t>:app.js      ----用来注册一个小程序.</a:t>
-            </a:r>
-            <a:r>
-              <a:rPr lang="zh-CN" altLang="en-US"/>
-              <a:t>指定小程序的生命周期</a:t>
-            </a:r>
-            <a:endParaRPr lang="en-US" altLang="zh-CN"/>
-          </a:p>
-          <a:p>
-            <a:pPr algn="l"/>
-            <a:r>
-              <a:rPr lang="zh-CN" altLang="en-US"/>
-              <a:t>四</a:t>
-            </a:r>
-            <a:r>
-              <a:rPr lang="en-US" altLang="zh-CN"/>
-              <a:t>:app.json  ----微信小程序全局配置，决定页面文件的路径、窗口表现、</a:t>
-            </a:r>
-            <a:endParaRPr lang="en-US" altLang="zh-CN"/>
-          </a:p>
-          <a:p>
-            <a:pPr algn="l"/>
-            <a:r>
-              <a:rPr lang="en-US" altLang="zh-CN"/>
-              <a:t>	          设置网络超时时间、设置多 tab </a:t>
-            </a:r>
-            <a:endParaRPr lang="en-US" altLang="zh-CN"/>
-          </a:p>
-          <a:p>
-            <a:pPr algn="l"/>
-            <a:r>
-              <a:rPr lang="zh-CN" altLang="en-US"/>
-              <a:t>五</a:t>
-            </a:r>
-            <a:r>
-              <a:rPr lang="en-US" altLang="zh-CN"/>
-              <a:t>:app.wxss ----全局的样式和局部样式</a:t>
-            </a:r>
-            <a:endParaRPr lang="en-US" altLang="zh-CN"/>
-          </a:p>
-          <a:p>
-            <a:pPr algn="l"/>
-            <a:r>
-              <a:rPr lang="zh-CN" altLang="en-US"/>
-              <a:t>六</a:t>
-            </a:r>
-            <a:r>
-              <a:rPr lang="en-US" altLang="zh-CN"/>
-              <a:t>:project.config.json   ----</a:t>
-            </a:r>
-            <a:r>
-              <a:rPr lang="zh-CN" altLang="en-US"/>
-              <a:t>项目信息</a:t>
-            </a:r>
-            <a:r>
-              <a:rPr lang="en-US" altLang="zh-CN"/>
-              <a:t>,</a:t>
-            </a:r>
-            <a:r>
-              <a:rPr lang="zh-CN" altLang="en-US"/>
-              <a:t>系统自动生成</a:t>
-            </a:r>
-            <a:r>
-              <a:rPr lang="en-US" altLang="zh-CN"/>
-              <a:t>,</a:t>
-            </a:r>
-            <a:r>
-              <a:rPr lang="zh-CN" altLang="en-US"/>
-              <a:t>一般无需更改</a:t>
-            </a:r>
-            <a:endParaRPr lang="zh-CN" altLang="en-US"/>
-          </a:p>
-        </p:txBody>
-      </p:sp>
     </p:spTree>
   </p:cSld>
   <p:clrMapOvr>
@@ -5948,8 +5990,8 @@
         </p:nvSpPr>
         <p:spPr>
           <a:xfrm>
-            <a:off x="1239520" y="911225"/>
-            <a:ext cx="8979535" cy="922020"/>
+            <a:off x="1239520" y="901065"/>
+            <a:ext cx="10129520" cy="1814830"/>
           </a:xfrm>
           <a:prstGeom prst="rect">
             <a:avLst/>
@@ -5961,26 +6003,215 @@
             <a:spAutoFit/>
           </a:bodyPr>
           <a:p>
-            <a:r>
-              <a:rPr lang="en-US" altLang="zh-CN" sz="5400">
+            <a:pPr algn="l"/>
+            <a:r>
+              <a:rPr lang="en-US" sz="2800">
                 <a:latin typeface="+mn-ea"/>
                 <a:cs typeface="+mn-ea"/>
                 <a:sym typeface="+mn-ea"/>
               </a:rPr>
-              <a:t>4:</a:t>
-            </a:r>
-            <a:r>
-              <a:rPr lang="zh-CN" altLang="en-US" sz="5400">
+              <a:t>2.4:</a:t>
+            </a:r>
+            <a:r>
+              <a:rPr lang="zh-CN" altLang="en-US" sz="2800">
                 <a:latin typeface="+mn-ea"/>
                 <a:cs typeface="+mn-ea"/>
                 <a:sym typeface="+mn-ea"/>
               </a:rPr>
-              <a:t>小程序实战之账号密码登录</a:t>
-            </a:r>
-            <a:endParaRPr lang="zh-CN" altLang="en-US" sz="5400"/>
+              <a:t>启动项目</a:t>
+            </a:r>
+            <a:r>
+              <a:rPr lang="en-US" altLang="zh-CN" sz="2800">
+                <a:latin typeface="+mn-ea"/>
+                <a:cs typeface="+mn-ea"/>
+                <a:sym typeface="+mn-ea"/>
+              </a:rPr>
+              <a:t>,</a:t>
+            </a:r>
+            <a:r>
+              <a:rPr lang="zh-CN" altLang="en-US" sz="2800">
+                <a:latin typeface="+mn-ea"/>
+                <a:cs typeface="+mn-ea"/>
+                <a:sym typeface="+mn-ea"/>
+              </a:rPr>
+              <a:t>找到项目的</a:t>
+            </a:r>
+            <a:r>
+              <a:rPr lang="en-US" altLang="zh-CN" sz="2800">
+                <a:latin typeface="+mn-ea"/>
+                <a:cs typeface="+mn-ea"/>
+                <a:sym typeface="+mn-ea"/>
+              </a:rPr>
+              <a:t>StartApplication.java</a:t>
+            </a:r>
+            <a:r>
+              <a:rPr lang="zh-CN" altLang="en-US" sz="2800">
+                <a:latin typeface="+mn-ea"/>
+                <a:cs typeface="+mn-ea"/>
+                <a:sym typeface="+mn-ea"/>
+              </a:rPr>
+              <a:t>文件</a:t>
+            </a:r>
+            <a:r>
+              <a:rPr lang="en-US" altLang="zh-CN" sz="2800">
+                <a:latin typeface="+mn-ea"/>
+                <a:cs typeface="+mn-ea"/>
+                <a:sym typeface="+mn-ea"/>
+              </a:rPr>
+              <a:t>,</a:t>
+            </a:r>
+            <a:r>
+              <a:rPr lang="zh-CN" altLang="en-US" sz="2800">
+                <a:latin typeface="+mn-ea"/>
+                <a:cs typeface="+mn-ea"/>
+                <a:sym typeface="+mn-ea"/>
+              </a:rPr>
+              <a:t>运行里面的</a:t>
+            </a:r>
+            <a:endParaRPr lang="zh-CN" altLang="en-US" sz="2800">
+              <a:latin typeface="+mn-ea"/>
+              <a:cs typeface="+mn-ea"/>
+              <a:sym typeface="+mn-ea"/>
+            </a:endParaRPr>
+          </a:p>
+          <a:p>
+            <a:pPr algn="l"/>
+            <a:r>
+              <a:rPr lang="en-US" altLang="zh-CN" sz="2800">
+                <a:latin typeface="+mn-ea"/>
+                <a:cs typeface="+mn-ea"/>
+                <a:sym typeface="+mn-ea"/>
+              </a:rPr>
+              <a:t>main</a:t>
+            </a:r>
+            <a:r>
+              <a:rPr lang="zh-CN" altLang="en-US" sz="2800">
+                <a:latin typeface="+mn-ea"/>
+                <a:cs typeface="+mn-ea"/>
+                <a:sym typeface="+mn-ea"/>
+              </a:rPr>
+              <a:t>方法</a:t>
+            </a:r>
+            <a:r>
+              <a:rPr lang="en-US" altLang="zh-CN" sz="2800">
+                <a:latin typeface="+mn-ea"/>
+                <a:cs typeface="+mn-ea"/>
+                <a:sym typeface="+mn-ea"/>
+              </a:rPr>
+              <a:t>.</a:t>
+            </a:r>
+            <a:r>
+              <a:rPr lang="zh-CN" altLang="en-US" sz="2800">
+                <a:latin typeface="+mn-ea"/>
+                <a:cs typeface="+mn-ea"/>
+                <a:sym typeface="+mn-ea"/>
+              </a:rPr>
+              <a:t>启动后</a:t>
+            </a:r>
+            <a:r>
+              <a:rPr lang="en-US" altLang="zh-CN" sz="2800">
+                <a:latin typeface="+mn-ea"/>
+                <a:cs typeface="+mn-ea"/>
+                <a:sym typeface="+mn-ea"/>
+              </a:rPr>
+              <a:t>,</a:t>
+            </a:r>
+            <a:r>
+              <a:rPr lang="zh-CN" altLang="en-US" sz="2800">
+                <a:latin typeface="+mn-ea"/>
+                <a:cs typeface="+mn-ea"/>
+                <a:sym typeface="+mn-ea"/>
+              </a:rPr>
+              <a:t>能访问</a:t>
+            </a:r>
+            <a:endParaRPr lang="zh-CN" altLang="en-US" sz="2800">
+              <a:latin typeface="+mn-ea"/>
+              <a:cs typeface="+mn-ea"/>
+              <a:sym typeface="+mn-ea"/>
+            </a:endParaRPr>
+          </a:p>
+          <a:p>
+            <a:pPr algn="l"/>
+            <a:r>
+              <a:rPr lang="zh-CN" altLang="en-US" sz="2800">
+                <a:latin typeface="+mn-ea"/>
+                <a:cs typeface="+mn-ea"/>
+                <a:sym typeface="+mn-ea"/>
+              </a:rPr>
+              <a:t>http://127.0.0.1:8080/design-mode/swagger-ui.html#!/</a:t>
+            </a:r>
+            <a:endParaRPr lang="zh-CN" altLang="en-US" sz="2800">
+              <a:latin typeface="+mn-ea"/>
+              <a:cs typeface="+mn-ea"/>
+              <a:sym typeface="+mn-ea"/>
+            </a:endParaRPr>
+          </a:p>
+          <a:p>
+            <a:pPr algn="l"/>
+            <a:r>
+              <a:rPr lang="zh-CN" altLang="en-US" sz="2800">
+                <a:latin typeface="+mn-ea"/>
+                <a:cs typeface="+mn-ea"/>
+                <a:sym typeface="+mn-ea"/>
+              </a:rPr>
+              <a:t>则表示项目初始化成功</a:t>
+            </a:r>
+            <a:endParaRPr lang="en-US" altLang="zh-CN" sz="2800">
+              <a:latin typeface="+mn-ea"/>
+              <a:cs typeface="+mn-ea"/>
+              <a:sym typeface="+mn-ea"/>
+            </a:endParaRPr>
           </a:p>
         </p:txBody>
       </p:sp>
+      <p:pic>
+        <p:nvPicPr>
+          <p:cNvPr id="3" name="图片 2"/>
+          <p:cNvPicPr>
+            <a:picLocks noChangeAspect="1"/>
+          </p:cNvPicPr>
+          <p:nvPr/>
+        </p:nvPicPr>
+        <p:blipFill>
+          <a:blip r:embed="rId1"/>
+          <a:stretch>
+            <a:fillRect/>
+          </a:stretch>
+        </p:blipFill>
+        <p:spPr>
+          <a:xfrm>
+            <a:off x="339090" y="3099435"/>
+            <a:ext cx="6074410" cy="3625215"/>
+          </a:xfrm>
+          <a:prstGeom prst="rect">
+            <a:avLst/>
+          </a:prstGeom>
+        </p:spPr>
+      </p:pic>
+      <p:pic>
+        <p:nvPicPr>
+          <p:cNvPr id="5" name="图片 4"/>
+          <p:cNvPicPr>
+            <a:picLocks noChangeAspect="1"/>
+          </p:cNvPicPr>
+          <p:nvPr/>
+        </p:nvPicPr>
+        <p:blipFill>
+          <a:blip r:embed="rId2"/>
+          <a:stretch>
+            <a:fillRect/>
+          </a:stretch>
+        </p:blipFill>
+        <p:spPr>
+          <a:xfrm>
+            <a:off x="6413500" y="3100070"/>
+            <a:ext cx="5765165" cy="3689350"/>
+          </a:xfrm>
+          <a:prstGeom prst="rect">
+            <a:avLst/>
+          </a:prstGeom>
+        </p:spPr>
+      </p:pic>
     </p:spTree>
   </p:cSld>
   <p:clrMapOvr>

--- a/JAVA设计模式初级入门.pptx
+++ b/JAVA设计模式初级入门.pptx
@@ -6,7 +6,7 @@
     <p:sldMasterId id="2147483659" r:id="rId3"/>
   </p:sldMasterIdLst>
   <p:notesMasterIdLst>
-    <p:notesMasterId r:id="rId20"/>
+    <p:notesMasterId r:id="rId23"/>
   </p:notesMasterIdLst>
   <p:sldIdLst>
     <p:sldId id="315" r:id="rId4"/>
@@ -17,14 +17,17 @@
     <p:sldId id="318" r:id="rId9"/>
     <p:sldId id="321" r:id="rId10"/>
     <p:sldId id="322" r:id="rId11"/>
-    <p:sldId id="323" r:id="rId12"/>
-    <p:sldId id="312" r:id="rId13"/>
-    <p:sldId id="310" r:id="rId14"/>
-    <p:sldId id="313" r:id="rId15"/>
-    <p:sldId id="309" r:id="rId16"/>
-    <p:sldId id="314" r:id="rId17"/>
-    <p:sldId id="324" r:id="rId18"/>
-    <p:sldId id="316" r:id="rId19"/>
+    <p:sldId id="310" r:id="rId12"/>
+    <p:sldId id="313" r:id="rId13"/>
+    <p:sldId id="309" r:id="rId14"/>
+    <p:sldId id="314" r:id="rId15"/>
+    <p:sldId id="324" r:id="rId16"/>
+    <p:sldId id="333" r:id="rId17"/>
+    <p:sldId id="334" r:id="rId18"/>
+    <p:sldId id="335" r:id="rId19"/>
+    <p:sldId id="336" r:id="rId20"/>
+    <p:sldId id="337" r:id="rId21"/>
+    <p:sldId id="316" r:id="rId22"/>
   </p:sldIdLst>
   <p:sldSz cx="12192000" cy="6858000"/>
   <p:notesSz cx="6858000" cy="9144000"/>
@@ -5189,8 +5192,8 @@
         </p:nvSpPr>
         <p:spPr>
           <a:xfrm>
-            <a:off x="3682312" y="3080951"/>
-            <a:ext cx="7269939" cy="923330"/>
+            <a:off x="3160395" y="793115"/>
+            <a:ext cx="3662045" cy="521970"/>
           </a:xfrm>
           <a:prstGeom prst="rect">
             <a:avLst/>
@@ -5201,58 +5204,71 @@
           <a:bodyPr wrap="none" rtlCol="0">
             <a:spAutoFit/>
           </a:bodyPr>
-          <a:lstStyle/>
           <a:p>
             <a:r>
-              <a:rPr lang="zh-CN" altLang="en-US" sz="5400" b="1" dirty="0" smtClean="0">
-                <a:solidFill>
-                  <a:srgbClr val="485C77"/>
-                </a:solidFill>
+              <a:rPr lang="en-US" altLang="zh-CN" sz="2800">
                 <a:latin typeface="微软雅黑" panose="020B0503020204020204" pitchFamily="34" charset="-122"/>
                 <a:ea typeface="微软雅黑" panose="020B0503020204020204" pitchFamily="34" charset="-122"/>
-              </a:rPr>
-              <a:t>微软</a:t>
-            </a:r>
-            <a:r>
-              <a:rPr lang="zh-CN" altLang="en-US" sz="5400" b="1" dirty="0">
-                <a:solidFill>
-                  <a:srgbClr val="485C77"/>
-                </a:solidFill>
+                <a:cs typeface="微软雅黑" panose="020B0503020204020204" pitchFamily="34" charset="-122"/>
+              </a:rPr>
+              <a:t>3.3.3 </a:t>
+            </a:r>
+            <a:r>
+              <a:rPr lang="zh-CN" altLang="en-US" sz="2800">
                 <a:latin typeface="微软雅黑" panose="020B0503020204020204" pitchFamily="34" charset="-122"/>
                 <a:ea typeface="微软雅黑" panose="020B0503020204020204" pitchFamily="34" charset="-122"/>
-              </a:rPr>
-              <a:t>雅黑</a:t>
-            </a:r>
-            <a:r>
-              <a:rPr lang="en-US" altLang="zh-CN" sz="5400" b="1" dirty="0">
-                <a:solidFill>
-                  <a:srgbClr val="485C77"/>
-                </a:solidFill>
+                <a:cs typeface="微软雅黑" panose="020B0503020204020204" pitchFamily="34" charset="-122"/>
+              </a:rPr>
+              <a:t>数据库</a:t>
+            </a:r>
+            <a:r>
+              <a:rPr lang="en-US" altLang="zh-CN" sz="2800">
                 <a:latin typeface="微软雅黑" panose="020B0503020204020204" pitchFamily="34" charset="-122"/>
                 <a:ea typeface="微软雅黑" panose="020B0503020204020204" pitchFamily="34" charset="-122"/>
-              </a:rPr>
-              <a:t>54</a:t>
-            </a:r>
-            <a:r>
-              <a:rPr lang="zh-CN" altLang="en-US" sz="5400" b="1" dirty="0">
-                <a:solidFill>
-                  <a:srgbClr val="485C77"/>
-                </a:solidFill>
+                <a:cs typeface="微软雅黑" panose="020B0503020204020204" pitchFamily="34" charset="-122"/>
+              </a:rPr>
+              <a:t>DAO</a:t>
+            </a:r>
+            <a:r>
+              <a:rPr lang="zh-CN" altLang="en-US" sz="2800">
                 <a:latin typeface="微软雅黑" panose="020B0503020204020204" pitchFamily="34" charset="-122"/>
                 <a:ea typeface="微软雅黑" panose="020B0503020204020204" pitchFamily="34" charset="-122"/>
-              </a:rPr>
-              <a:t>号字体加粗</a:t>
-            </a:r>
-            <a:endParaRPr lang="zh-CN" altLang="en-US" sz="5400" b="1" dirty="0">
-              <a:solidFill>
-                <a:srgbClr val="485C77"/>
-              </a:solidFill>
+                <a:cs typeface="微软雅黑" panose="020B0503020204020204" pitchFamily="34" charset="-122"/>
+              </a:rPr>
+              <a:t>对象</a:t>
+            </a:r>
+            <a:endParaRPr lang="zh-CN" altLang="en-US" sz="2800">
               <a:latin typeface="微软雅黑" panose="020B0503020204020204" pitchFamily="34" charset="-122"/>
               <a:ea typeface="微软雅黑" panose="020B0503020204020204" pitchFamily="34" charset="-122"/>
+              <a:cs typeface="微软雅黑" panose="020B0503020204020204" pitchFamily="34" charset="-122"/>
             </a:endParaRPr>
           </a:p>
         </p:txBody>
       </p:sp>
+      <p:pic>
+        <p:nvPicPr>
+          <p:cNvPr id="3" name="图片 2"/>
+          <p:cNvPicPr>
+            <a:picLocks noChangeAspect="1"/>
+          </p:cNvPicPr>
+          <p:nvPr/>
+        </p:nvPicPr>
+        <p:blipFill>
+          <a:blip r:embed="rId1"/>
+          <a:stretch>
+            <a:fillRect/>
+          </a:stretch>
+        </p:blipFill>
+        <p:spPr>
+          <a:xfrm>
+            <a:off x="894080" y="1315085"/>
+            <a:ext cx="10171430" cy="5140325"/>
+          </a:xfrm>
+          <a:prstGeom prst="rect">
+            <a:avLst/>
+          </a:prstGeom>
+        </p:spPr>
+      </p:pic>
     </p:spTree>
   </p:cSld>
   <p:clrMapOvr>
@@ -5278,6 +5294,75 @@
           <a:chExt cx="0" cy="0"/>
         </a:xfrm>
       </p:grpSpPr>
+      <p:sp>
+        <p:nvSpPr>
+          <p:cNvPr id="2" name="文本框 1"/>
+          <p:cNvSpPr txBox="1"/>
+          <p:nvPr/>
+        </p:nvSpPr>
+        <p:spPr>
+          <a:xfrm>
+            <a:off x="3731260" y="117475"/>
+            <a:ext cx="3218180" cy="521970"/>
+          </a:xfrm>
+          <a:prstGeom prst="rect">
+            <a:avLst/>
+          </a:prstGeom>
+          <a:noFill/>
+        </p:spPr>
+        <p:txBody>
+          <a:bodyPr wrap="none" rtlCol="0">
+            <a:spAutoFit/>
+          </a:bodyPr>
+          <a:p>
+            <a:r>
+              <a:rPr lang="en-US" altLang="zh-CN" sz="2800">
+                <a:latin typeface="微软雅黑" panose="020B0503020204020204" pitchFamily="34" charset="-122"/>
+                <a:ea typeface="微软雅黑" panose="020B0503020204020204" pitchFamily="34" charset="-122"/>
+                <a:cs typeface="微软雅黑" panose="020B0503020204020204" pitchFamily="34" charset="-122"/>
+              </a:rPr>
+              <a:t>3.3.4 </a:t>
+            </a:r>
+            <a:r>
+              <a:rPr lang="zh-CN" altLang="en-US" sz="2800">
+                <a:latin typeface="微软雅黑" panose="020B0503020204020204" pitchFamily="34" charset="-122"/>
+                <a:ea typeface="微软雅黑" panose="020B0503020204020204" pitchFamily="34" charset="-122"/>
+                <a:cs typeface="微软雅黑" panose="020B0503020204020204" pitchFamily="34" charset="-122"/>
+              </a:rPr>
+              <a:t>具体业务改造</a:t>
+            </a:r>
+            <a:endParaRPr lang="zh-CN" altLang="en-US" sz="2800">
+              <a:latin typeface="微软雅黑" panose="020B0503020204020204" pitchFamily="34" charset="-122"/>
+              <a:ea typeface="微软雅黑" panose="020B0503020204020204" pitchFamily="34" charset="-122"/>
+              <a:cs typeface="微软雅黑" panose="020B0503020204020204" pitchFamily="34" charset="-122"/>
+            </a:endParaRPr>
+          </a:p>
+        </p:txBody>
+      </p:sp>
+      <p:pic>
+        <p:nvPicPr>
+          <p:cNvPr id="3" name="图片 2"/>
+          <p:cNvPicPr>
+            <a:picLocks noChangeAspect="1"/>
+          </p:cNvPicPr>
+          <p:nvPr/>
+        </p:nvPicPr>
+        <p:blipFill>
+          <a:blip r:embed="rId1"/>
+          <a:stretch>
+            <a:fillRect/>
+          </a:stretch>
+        </p:blipFill>
+        <p:spPr>
+          <a:xfrm>
+            <a:off x="829310" y="739140"/>
+            <a:ext cx="10533380" cy="5948045"/>
+          </a:xfrm>
+          <a:prstGeom prst="rect">
+            <a:avLst/>
+          </a:prstGeom>
+        </p:spPr>
+      </p:pic>
     </p:spTree>
   </p:cSld>
   <p:clrMapOvr>
@@ -5303,6 +5388,30 @@
           <a:chExt cx="0" cy="0"/>
         </a:xfrm>
       </p:grpSpPr>
+      <p:pic>
+        <p:nvPicPr>
+          <p:cNvPr id="2" name="图片 1"/>
+          <p:cNvPicPr>
+            <a:picLocks noChangeAspect="1"/>
+          </p:cNvPicPr>
+          <p:nvPr/>
+        </p:nvPicPr>
+        <p:blipFill>
+          <a:blip r:embed="rId1"/>
+          <a:stretch>
+            <a:fillRect/>
+          </a:stretch>
+        </p:blipFill>
+        <p:spPr>
+          <a:xfrm>
+            <a:off x="10160" y="-14605"/>
+            <a:ext cx="12190095" cy="6831330"/>
+          </a:xfrm>
+          <a:prstGeom prst="rect">
+            <a:avLst/>
+          </a:prstGeom>
+        </p:spPr>
+      </p:pic>
     </p:spTree>
   </p:cSld>
   <p:clrMapOvr>
@@ -5328,6 +5437,30 @@
           <a:chExt cx="0" cy="0"/>
         </a:xfrm>
       </p:grpSpPr>
+      <p:pic>
+        <p:nvPicPr>
+          <p:cNvPr id="2" name="图片 1"/>
+          <p:cNvPicPr>
+            <a:picLocks noChangeAspect="1"/>
+          </p:cNvPicPr>
+          <p:nvPr/>
+        </p:nvPicPr>
+        <p:blipFill>
+          <a:blip r:embed="rId1"/>
+          <a:stretch>
+            <a:fillRect/>
+          </a:stretch>
+        </p:blipFill>
+        <p:spPr>
+          <a:xfrm>
+            <a:off x="-33655" y="-635"/>
+            <a:ext cx="12230100" cy="6868795"/>
+          </a:xfrm>
+          <a:prstGeom prst="rect">
+            <a:avLst/>
+          </a:prstGeom>
+        </p:spPr>
+      </p:pic>
     </p:spTree>
   </p:cSld>
   <p:clrMapOvr>
@@ -5353,6 +5486,30 @@
           <a:chExt cx="0" cy="0"/>
         </a:xfrm>
       </p:grpSpPr>
+      <p:pic>
+        <p:nvPicPr>
+          <p:cNvPr id="2" name="图片 1"/>
+          <p:cNvPicPr>
+            <a:picLocks noChangeAspect="1"/>
+          </p:cNvPicPr>
+          <p:nvPr/>
+        </p:nvPicPr>
+        <p:blipFill>
+          <a:blip r:embed="rId1"/>
+          <a:stretch>
+            <a:fillRect/>
+          </a:stretch>
+        </p:blipFill>
+        <p:spPr>
+          <a:xfrm>
+            <a:off x="2540" y="-4445"/>
+            <a:ext cx="12205970" cy="6868795"/>
+          </a:xfrm>
+          <a:prstGeom prst="rect">
+            <a:avLst/>
+          </a:prstGeom>
+        </p:spPr>
+      </p:pic>
     </p:spTree>
   </p:cSld>
   <p:clrMapOvr>
@@ -5378,6 +5535,62 @@
           <a:chExt cx="0" cy="0"/>
         </a:xfrm>
       </p:grpSpPr>
+      <p:sp>
+        <p:nvSpPr>
+          <p:cNvPr id="2" name="文本框 1"/>
+          <p:cNvSpPr txBox="1"/>
+          <p:nvPr/>
+        </p:nvSpPr>
+        <p:spPr>
+          <a:xfrm>
+            <a:off x="3868420" y="141605"/>
+            <a:ext cx="2212975" cy="521970"/>
+          </a:xfrm>
+          <a:prstGeom prst="rect">
+            <a:avLst/>
+          </a:prstGeom>
+          <a:noFill/>
+        </p:spPr>
+        <p:txBody>
+          <a:bodyPr wrap="none" rtlCol="0" anchor="t">
+            <a:spAutoFit/>
+          </a:bodyPr>
+          <a:p>
+            <a:r>
+              <a:rPr lang="en-US" altLang="zh-CN" sz="2800">
+                <a:latin typeface="微软雅黑" panose="020B0503020204020204" pitchFamily="34" charset="-122"/>
+                <a:ea typeface="微软雅黑" panose="020B0503020204020204" pitchFamily="34" charset="-122"/>
+                <a:cs typeface="微软雅黑" panose="020B0503020204020204" pitchFamily="34" charset="-122"/>
+                <a:sym typeface="+mn-ea"/>
+              </a:rPr>
+              <a:t>3.2 </a:t>
+            </a:r>
+            <a:r>
+              <a:rPr lang="zh-CN" altLang="en-US" sz="2800">
+                <a:latin typeface="微软雅黑" panose="020B0503020204020204" pitchFamily="34" charset="-122"/>
+                <a:ea typeface="微软雅黑" panose="020B0503020204020204" pitchFamily="34" charset="-122"/>
+                <a:cs typeface="微软雅黑" panose="020B0503020204020204" pitchFamily="34" charset="-122"/>
+                <a:sym typeface="+mn-ea"/>
+              </a:rPr>
+              <a:t>业务</a:t>
+            </a:r>
+            <a:r>
+              <a:rPr lang="zh-CN" altLang="en-US" sz="2800">
+                <a:latin typeface="微软雅黑" panose="020B0503020204020204" pitchFamily="34" charset="-122"/>
+                <a:ea typeface="微软雅黑" panose="020B0503020204020204" pitchFamily="34" charset="-122"/>
+                <a:cs typeface="微软雅黑" panose="020B0503020204020204" pitchFamily="34" charset="-122"/>
+                <a:sym typeface="+mn-ea"/>
+              </a:rPr>
+              <a:t>总结</a:t>
+            </a:r>
+            <a:endParaRPr lang="zh-CN" altLang="en-US" sz="2800">
+              <a:latin typeface="微软雅黑" panose="020B0503020204020204" pitchFamily="34" charset="-122"/>
+              <a:ea typeface="微软雅黑" panose="020B0503020204020204" pitchFamily="34" charset="-122"/>
+              <a:cs typeface="微软雅黑" panose="020B0503020204020204" pitchFamily="34" charset="-122"/>
+            </a:endParaRPr>
+          </a:p>
+        </p:txBody>
+      </p:sp>
     </p:spTree>
   </p:cSld>
   <p:clrMapOvr>
@@ -5387,6 +5600,81 @@
 </file>
 
 <file path=ppt/slides/slide16.xml><?xml version="1.0" encoding="utf-8"?>
+<p:sld xmlns:a="http://schemas.openxmlformats.org/drawingml/2006/main" xmlns:r="http://schemas.openxmlformats.org/officeDocument/2006/relationships" xmlns:p="http://schemas.openxmlformats.org/presentationml/2006/main">
+  <p:cSld>
+    <p:spTree>
+      <p:nvGrpSpPr>
+        <p:cNvPr id="1" name=""/>
+        <p:cNvGrpSpPr/>
+        <p:nvPr/>
+      </p:nvGrpSpPr>
+      <p:grpSpPr>
+        <a:xfrm>
+          <a:off x="0" y="0"/>
+          <a:ext cx="0" cy="0"/>
+          <a:chOff x="0" y="0"/>
+          <a:chExt cx="0" cy="0"/>
+        </a:xfrm>
+      </p:grpSpPr>
+    </p:spTree>
+  </p:cSld>
+  <p:clrMapOvr>
+    <a:masterClrMapping/>
+  </p:clrMapOvr>
+</p:sld>
+</file>
+
+<file path=ppt/slides/slide17.xml><?xml version="1.0" encoding="utf-8"?>
+<p:sld xmlns:a="http://schemas.openxmlformats.org/drawingml/2006/main" xmlns:r="http://schemas.openxmlformats.org/officeDocument/2006/relationships" xmlns:p="http://schemas.openxmlformats.org/presentationml/2006/main">
+  <p:cSld>
+    <p:spTree>
+      <p:nvGrpSpPr>
+        <p:cNvPr id="1" name=""/>
+        <p:cNvGrpSpPr/>
+        <p:nvPr/>
+      </p:nvGrpSpPr>
+      <p:grpSpPr>
+        <a:xfrm>
+          <a:off x="0" y="0"/>
+          <a:ext cx="0" cy="0"/>
+          <a:chOff x="0" y="0"/>
+          <a:chExt cx="0" cy="0"/>
+        </a:xfrm>
+      </p:grpSpPr>
+    </p:spTree>
+  </p:cSld>
+  <p:clrMapOvr>
+    <a:masterClrMapping/>
+  </p:clrMapOvr>
+</p:sld>
+</file>
+
+<file path=ppt/slides/slide18.xml><?xml version="1.0" encoding="utf-8"?>
+<p:sld xmlns:a="http://schemas.openxmlformats.org/drawingml/2006/main" xmlns:r="http://schemas.openxmlformats.org/officeDocument/2006/relationships" xmlns:p="http://schemas.openxmlformats.org/presentationml/2006/main">
+  <p:cSld>
+    <p:spTree>
+      <p:nvGrpSpPr>
+        <p:cNvPr id="1" name=""/>
+        <p:cNvGrpSpPr/>
+        <p:nvPr/>
+      </p:nvGrpSpPr>
+      <p:grpSpPr>
+        <a:xfrm>
+          <a:off x="0" y="0"/>
+          <a:ext cx="0" cy="0"/>
+          <a:chOff x="0" y="0"/>
+          <a:chExt cx="0" cy="0"/>
+        </a:xfrm>
+      </p:grpSpPr>
+    </p:spTree>
+  </p:cSld>
+  <p:clrMapOvr>
+    <a:masterClrMapping/>
+  </p:clrMapOvr>
+</p:sld>
+</file>
+
+<file path=ppt/slides/slide19.xml><?xml version="1.0" encoding="utf-8"?>
 <p:sld xmlns:a="http://schemas.openxmlformats.org/drawingml/2006/main" xmlns:r="http://schemas.openxmlformats.org/officeDocument/2006/relationships" xmlns:p="http://schemas.openxmlformats.org/presentationml/2006/main">
   <p:cSld>
     <p:spTree>
@@ -6237,6 +6525,114 @@
           <a:chExt cx="0" cy="0"/>
         </a:xfrm>
       </p:grpSpPr>
+      <p:sp>
+        <p:nvSpPr>
+          <p:cNvPr id="2" name="文本框 1"/>
+          <p:cNvSpPr txBox="1"/>
+          <p:nvPr/>
+        </p:nvSpPr>
+        <p:spPr>
+          <a:xfrm>
+            <a:off x="918210" y="619760"/>
+            <a:ext cx="11036935" cy="922020"/>
+          </a:xfrm>
+          <a:prstGeom prst="rect">
+            <a:avLst/>
+          </a:prstGeom>
+          <a:noFill/>
+        </p:spPr>
+        <p:txBody>
+          <a:bodyPr wrap="none" rtlCol="0">
+            <a:spAutoFit/>
+          </a:bodyPr>
+          <a:p>
+            <a:r>
+              <a:rPr lang="en-US" altLang="zh-CN" sz="5400">
+                <a:latin typeface="+mn-ea"/>
+                <a:cs typeface="+mn-ea"/>
+              </a:rPr>
+              <a:t>3:</a:t>
+            </a:r>
+            <a:r>
+              <a:rPr lang="zh-CN" altLang="en-US" sz="5400">
+                <a:latin typeface="+mn-ea"/>
+                <a:cs typeface="+mn-ea"/>
+              </a:rPr>
+              <a:t>在查询分页接口中的设计模式实战</a:t>
+            </a:r>
+            <a:endParaRPr lang="zh-CN" altLang="en-US" sz="5400">
+              <a:latin typeface="+mn-ea"/>
+              <a:cs typeface="+mn-ea"/>
+            </a:endParaRPr>
+          </a:p>
+        </p:txBody>
+      </p:sp>
+      <p:sp>
+        <p:nvSpPr>
+          <p:cNvPr id="3" name="文本框 2"/>
+          <p:cNvSpPr txBox="1"/>
+          <p:nvPr/>
+        </p:nvSpPr>
+        <p:spPr>
+          <a:xfrm>
+            <a:off x="1381760" y="1541780"/>
+            <a:ext cx="3141980" cy="460375"/>
+          </a:xfrm>
+          <a:prstGeom prst="rect">
+            <a:avLst/>
+          </a:prstGeom>
+          <a:noFill/>
+        </p:spPr>
+        <p:txBody>
+          <a:bodyPr wrap="none" rtlCol="0">
+            <a:spAutoFit/>
+          </a:bodyPr>
+          <a:p>
+            <a:r>
+              <a:rPr lang="en-US" altLang="zh-CN" sz="2400">
+                <a:latin typeface="+mn-ea"/>
+                <a:cs typeface="+mn-ea"/>
+              </a:rPr>
+              <a:t>3.1 </a:t>
+            </a:r>
+            <a:r>
+              <a:rPr lang="zh-CN" altLang="en-US" sz="2400">
+                <a:latin typeface="+mn-ea"/>
+                <a:cs typeface="+mn-ea"/>
+              </a:rPr>
+              <a:t>接口查询参数分析</a:t>
+            </a:r>
+            <a:endParaRPr lang="zh-CN" altLang="en-US" sz="2400">
+              <a:latin typeface="+mn-ea"/>
+              <a:cs typeface="+mn-ea"/>
+            </a:endParaRPr>
+          </a:p>
+        </p:txBody>
+      </p:sp>
+      <p:pic>
+        <p:nvPicPr>
+          <p:cNvPr id="4" name="图片 3"/>
+          <p:cNvPicPr>
+            <a:picLocks noChangeAspect="1"/>
+          </p:cNvPicPr>
+          <p:nvPr/>
+        </p:nvPicPr>
+        <p:blipFill>
+          <a:blip r:embed="rId1"/>
+          <a:stretch>
+            <a:fillRect/>
+          </a:stretch>
+        </p:blipFill>
+        <p:spPr>
+          <a:xfrm>
+            <a:off x="24765" y="2127885"/>
+            <a:ext cx="12143105" cy="4514215"/>
+          </a:xfrm>
+          <a:prstGeom prst="rect">
+            <a:avLst/>
+          </a:prstGeom>
+        </p:spPr>
+      </p:pic>
     </p:spTree>
   </p:cSld>
   <p:clrMapOvr>
@@ -6262,6 +6658,165 @@
           <a:chExt cx="0" cy="0"/>
         </a:xfrm>
       </p:grpSpPr>
+      <p:sp>
+        <p:nvSpPr>
+          <p:cNvPr id="2" name="文本框 1"/>
+          <p:cNvSpPr txBox="1"/>
+          <p:nvPr/>
+        </p:nvSpPr>
+        <p:spPr>
+          <a:xfrm>
+            <a:off x="2204085" y="252095"/>
+            <a:ext cx="4346575" cy="521970"/>
+          </a:xfrm>
+          <a:prstGeom prst="rect">
+            <a:avLst/>
+          </a:prstGeom>
+          <a:noFill/>
+        </p:spPr>
+        <p:txBody>
+          <a:bodyPr wrap="none" rtlCol="0">
+            <a:spAutoFit/>
+          </a:bodyPr>
+          <a:p>
+            <a:r>
+              <a:rPr lang="en-US" altLang="zh-CN" sz="2800">
+                <a:latin typeface="+mn-ea"/>
+                <a:cs typeface="+mn-ea"/>
+              </a:rPr>
+              <a:t>3.2 </a:t>
+            </a:r>
+            <a:r>
+              <a:rPr lang="zh-CN" altLang="en-US" sz="2800">
+                <a:latin typeface="+mn-ea"/>
+                <a:cs typeface="+mn-ea"/>
+              </a:rPr>
+              <a:t>抽象出具体的业务逻辑</a:t>
+            </a:r>
+            <a:endParaRPr lang="zh-CN" altLang="en-US" sz="2800">
+              <a:latin typeface="+mn-ea"/>
+              <a:cs typeface="+mn-ea"/>
+            </a:endParaRPr>
+          </a:p>
+        </p:txBody>
+      </p:sp>
+      <p:pic>
+        <p:nvPicPr>
+          <p:cNvPr id="3" name="图片 2"/>
+          <p:cNvPicPr>
+            <a:picLocks noChangeAspect="1"/>
+          </p:cNvPicPr>
+          <p:nvPr/>
+        </p:nvPicPr>
+        <p:blipFill>
+          <a:blip r:embed="rId1"/>
+          <a:stretch>
+            <a:fillRect/>
+          </a:stretch>
+        </p:blipFill>
+        <p:spPr>
+          <a:xfrm>
+            <a:off x="-19050" y="2263775"/>
+            <a:ext cx="12209780" cy="4605655"/>
+          </a:xfrm>
+          <a:prstGeom prst="rect">
+            <a:avLst/>
+          </a:prstGeom>
+        </p:spPr>
+      </p:pic>
+      <p:sp>
+        <p:nvSpPr>
+          <p:cNvPr id="4" name="文本框 3"/>
+          <p:cNvSpPr txBox="1"/>
+          <p:nvPr/>
+        </p:nvSpPr>
+        <p:spPr>
+          <a:xfrm>
+            <a:off x="58420" y="774065"/>
+            <a:ext cx="11059160" cy="1476375"/>
+          </a:xfrm>
+          <a:prstGeom prst="rect">
+            <a:avLst/>
+          </a:prstGeom>
+          <a:noFill/>
+        </p:spPr>
+        <p:txBody>
+          <a:bodyPr wrap="square" rtlCol="0">
+            <a:spAutoFit/>
+          </a:bodyPr>
+          <a:p>
+            <a:r>
+              <a:rPr lang="zh-CN" altLang="en-US"/>
+              <a:t>具体的业务逻辑</a:t>
+            </a:r>
+            <a:r>
+              <a:rPr lang="en-US" altLang="zh-CN"/>
+              <a:t>:  </a:t>
+            </a:r>
+            <a:endParaRPr lang="en-US" altLang="zh-CN"/>
+          </a:p>
+          <a:p>
+            <a:r>
+              <a:rPr lang="zh-CN" altLang="en-US"/>
+              <a:t>                          </a:t>
+            </a:r>
+            <a:r>
+              <a:rPr lang="en-US" altLang="zh-CN"/>
+              <a:t>	1: </a:t>
+            </a:r>
+            <a:r>
+              <a:rPr lang="zh-CN" altLang="en-US"/>
+              <a:t>计算数据库的查询的起始行</a:t>
+            </a:r>
+            <a:endParaRPr lang="zh-CN" altLang="en-US"/>
+          </a:p>
+          <a:p>
+            <a:r>
+              <a:rPr lang="zh-CN" altLang="en-US"/>
+              <a:t>                             </a:t>
+            </a:r>
+            <a:r>
+              <a:rPr lang="en-US" altLang="zh-CN"/>
+              <a:t>2: </a:t>
+            </a:r>
+            <a:r>
+              <a:rPr lang="zh-CN" altLang="en-US"/>
+              <a:t>查询返回列表</a:t>
+            </a:r>
+            <a:endParaRPr lang="zh-CN" altLang="en-US"/>
+          </a:p>
+          <a:p>
+            <a:r>
+              <a:rPr lang="zh-CN" altLang="en-US"/>
+              <a:t>                             </a:t>
+            </a:r>
+            <a:r>
+              <a:rPr lang="en-US" altLang="zh-CN"/>
+              <a:t>3: </a:t>
+            </a:r>
+            <a:r>
+              <a:rPr lang="zh-CN" altLang="en-US"/>
+              <a:t>计算查询条件的总行数</a:t>
+            </a:r>
+            <a:endParaRPr lang="zh-CN" altLang="en-US"/>
+          </a:p>
+          <a:p>
+            <a:r>
+              <a:rPr lang="zh-CN" altLang="en-US"/>
+              <a:t>                             </a:t>
+            </a:r>
+            <a:r>
+              <a:rPr lang="en-US" altLang="zh-CN"/>
+              <a:t>4: </a:t>
+            </a:r>
+            <a:r>
+              <a:rPr lang="zh-CN" altLang="en-US"/>
+              <a:t>返回结果赋值</a:t>
+            </a:r>
+            <a:endParaRPr lang="zh-CN" altLang="en-US"/>
+          </a:p>
+        </p:txBody>
+      </p:sp>
     </p:spTree>
   </p:cSld>
   <p:clrMapOvr>
@@ -6287,6 +6842,152 @@
           <a:chExt cx="0" cy="0"/>
         </a:xfrm>
       </p:grpSpPr>
+      <p:sp>
+        <p:nvSpPr>
+          <p:cNvPr id="2" name="文本框 1"/>
+          <p:cNvSpPr txBox="1"/>
+          <p:nvPr/>
+        </p:nvSpPr>
+        <p:spPr>
+          <a:xfrm>
+            <a:off x="2233295" y="135890"/>
+            <a:ext cx="2924175" cy="521970"/>
+          </a:xfrm>
+          <a:prstGeom prst="rect">
+            <a:avLst/>
+          </a:prstGeom>
+          <a:noFill/>
+        </p:spPr>
+        <p:txBody>
+          <a:bodyPr wrap="none" rtlCol="0">
+            <a:spAutoFit/>
+          </a:bodyPr>
+          <a:p>
+            <a:r>
+              <a:rPr lang="en-US" altLang="zh-CN" sz="2800">
+                <a:latin typeface="+mn-ea"/>
+                <a:cs typeface="+mn-ea"/>
+              </a:rPr>
+              <a:t>3.3 </a:t>
+            </a:r>
+            <a:r>
+              <a:rPr lang="zh-CN" altLang="en-US" sz="2800">
+                <a:latin typeface="+mn-ea"/>
+                <a:cs typeface="+mn-ea"/>
+              </a:rPr>
+              <a:t>设计模式应用</a:t>
+            </a:r>
+            <a:endParaRPr lang="zh-CN" altLang="en-US" sz="2800">
+              <a:latin typeface="+mn-ea"/>
+              <a:cs typeface="+mn-ea"/>
+            </a:endParaRPr>
+          </a:p>
+        </p:txBody>
+      </p:sp>
+      <p:sp>
+        <p:nvSpPr>
+          <p:cNvPr id="3" name="文本框 2"/>
+          <p:cNvSpPr txBox="1"/>
+          <p:nvPr/>
+        </p:nvSpPr>
+        <p:spPr>
+          <a:xfrm>
+            <a:off x="1072515" y="802640"/>
+            <a:ext cx="6456680" cy="645160"/>
+          </a:xfrm>
+          <a:prstGeom prst="rect">
+            <a:avLst/>
+          </a:prstGeom>
+          <a:noFill/>
+        </p:spPr>
+        <p:txBody>
+          <a:bodyPr wrap="none" rtlCol="0">
+            <a:spAutoFit/>
+          </a:bodyPr>
+          <a:p>
+            <a:r>
+              <a:rPr lang="en-US" altLang="zh-CN"/>
+              <a:t>3.3.1 java</a:t>
+            </a:r>
+            <a:r>
+              <a:rPr lang="zh-CN" altLang="en-US"/>
+              <a:t>编程核心思想</a:t>
+            </a:r>
+            <a:r>
+              <a:rPr lang="en-US" altLang="zh-CN"/>
+              <a:t>=&gt;</a:t>
+            </a:r>
+            <a:r>
+              <a:rPr lang="zh-CN" altLang="en-US"/>
+              <a:t>面向接口编程</a:t>
+            </a:r>
+            <a:r>
+              <a:rPr lang="en-US" altLang="zh-CN"/>
+              <a:t>(</a:t>
+            </a:r>
+            <a:r>
+              <a:rPr lang="zh-CN" altLang="en-US"/>
+              <a:t>依赖抽象</a:t>
+            </a:r>
+            <a:r>
+              <a:rPr lang="en-US" altLang="zh-CN"/>
+              <a:t>,</a:t>
+            </a:r>
+            <a:r>
+              <a:rPr lang="zh-CN" altLang="en-US"/>
+              <a:t>不依赖具体</a:t>
+            </a:r>
+            <a:r>
+              <a:rPr lang="en-US" altLang="zh-CN"/>
+              <a:t>)</a:t>
+            </a:r>
+            <a:endParaRPr lang="en-US" altLang="zh-CN"/>
+          </a:p>
+          <a:p>
+            <a:r>
+              <a:rPr lang="en-US" altLang="zh-CN"/>
+              <a:t>         </a:t>
+            </a:r>
+            <a:r>
+              <a:rPr lang="zh-CN" altLang="en-US"/>
+              <a:t>先写一个接口</a:t>
+            </a:r>
+            <a:r>
+              <a:rPr lang="en-US" altLang="zh-CN"/>
+              <a:t>,</a:t>
+            </a:r>
+            <a:r>
+              <a:rPr lang="zh-CN" altLang="en-US"/>
+              <a:t>表示用来实现具体的业务逻辑</a:t>
+            </a:r>
+            <a:endParaRPr lang="en-US" altLang="zh-CN"/>
+          </a:p>
+        </p:txBody>
+      </p:sp>
+      <p:pic>
+        <p:nvPicPr>
+          <p:cNvPr id="5" name="图片 4"/>
+          <p:cNvPicPr>
+            <a:picLocks noChangeAspect="1"/>
+          </p:cNvPicPr>
+          <p:nvPr/>
+        </p:nvPicPr>
+        <p:blipFill>
+          <a:blip r:embed="rId1"/>
+          <a:stretch>
+            <a:fillRect/>
+          </a:stretch>
+        </p:blipFill>
+        <p:spPr>
+          <a:xfrm>
+            <a:off x="984250" y="2149475"/>
+            <a:ext cx="8695055" cy="4028440"/>
+          </a:xfrm>
+          <a:prstGeom prst="rect">
+            <a:avLst/>
+          </a:prstGeom>
+        </p:spPr>
+      </p:pic>
     </p:spTree>
   </p:cSld>
   <p:clrMapOvr>
@@ -6312,6 +7013,75 @@
           <a:chExt cx="0" cy="0"/>
         </a:xfrm>
       </p:grpSpPr>
+      <p:pic>
+        <p:nvPicPr>
+          <p:cNvPr id="2" name="图片 1"/>
+          <p:cNvPicPr>
+            <a:picLocks noChangeAspect="1"/>
+          </p:cNvPicPr>
+          <p:nvPr/>
+        </p:nvPicPr>
+        <p:blipFill>
+          <a:blip r:embed="rId1"/>
+          <a:stretch>
+            <a:fillRect/>
+          </a:stretch>
+        </p:blipFill>
+        <p:spPr>
+          <a:xfrm>
+            <a:off x="21590" y="1068070"/>
+            <a:ext cx="12148820" cy="5697220"/>
+          </a:xfrm>
+          <a:prstGeom prst="rect">
+            <a:avLst/>
+          </a:prstGeom>
+        </p:spPr>
+      </p:pic>
+      <p:sp>
+        <p:nvSpPr>
+          <p:cNvPr id="3" name="文本框 2"/>
+          <p:cNvSpPr txBox="1"/>
+          <p:nvPr/>
+        </p:nvSpPr>
+        <p:spPr>
+          <a:xfrm>
+            <a:off x="2252345" y="160655"/>
+            <a:ext cx="3573780" cy="521970"/>
+          </a:xfrm>
+          <a:prstGeom prst="rect">
+            <a:avLst/>
+          </a:prstGeom>
+          <a:noFill/>
+        </p:spPr>
+        <p:txBody>
+          <a:bodyPr wrap="none" rtlCol="0">
+            <a:spAutoFit/>
+          </a:bodyPr>
+          <a:p>
+            <a:r>
+              <a:rPr lang="en-US" altLang="zh-CN" sz="2800">
+                <a:latin typeface="微软雅黑" panose="020B0503020204020204" pitchFamily="34" charset="-122"/>
+                <a:ea typeface="微软雅黑" panose="020B0503020204020204" pitchFamily="34" charset="-122"/>
+                <a:cs typeface="微软雅黑" panose="020B0503020204020204" pitchFamily="34" charset="-122"/>
+              </a:rPr>
+              <a:t>3.3.2 </a:t>
+            </a:r>
+            <a:r>
+              <a:rPr lang="zh-CN" altLang="en-US" sz="2800">
+                <a:latin typeface="微软雅黑" panose="020B0503020204020204" pitchFamily="34" charset="-122"/>
+                <a:ea typeface="微软雅黑" panose="020B0503020204020204" pitchFamily="34" charset="-122"/>
+                <a:cs typeface="微软雅黑" panose="020B0503020204020204" pitchFamily="34" charset="-122"/>
+              </a:rPr>
+              <a:t>具体抽象实现类</a:t>
+            </a:r>
+            <a:endParaRPr lang="zh-CN" altLang="en-US" sz="2800">
+              <a:latin typeface="微软雅黑" panose="020B0503020204020204" pitchFamily="34" charset="-122"/>
+              <a:ea typeface="微软雅黑" panose="020B0503020204020204" pitchFamily="34" charset="-122"/>
+              <a:cs typeface="微软雅黑" panose="020B0503020204020204" pitchFamily="34" charset="-122"/>
+            </a:endParaRPr>
+          </a:p>
+        </p:txBody>
+      </p:sp>
     </p:spTree>
   </p:cSld>
   <p:clrMapOvr>

--- a/JAVA设计模式初级入门.pptx
+++ b/JAVA设计模式初级入门.pptx
@@ -6,7 +6,7 @@
     <p:sldMasterId id="2147483659" r:id="rId3"/>
   </p:sldMasterIdLst>
   <p:notesMasterIdLst>
-    <p:notesMasterId r:id="rId23"/>
+    <p:notesMasterId r:id="rId20"/>
   </p:notesMasterIdLst>
   <p:sldIdLst>
     <p:sldId id="315" r:id="rId4"/>
@@ -24,10 +24,7 @@
     <p:sldId id="324" r:id="rId16"/>
     <p:sldId id="333" r:id="rId17"/>
     <p:sldId id="334" r:id="rId18"/>
-    <p:sldId id="335" r:id="rId19"/>
-    <p:sldId id="336" r:id="rId20"/>
-    <p:sldId id="337" r:id="rId21"/>
-    <p:sldId id="316" r:id="rId22"/>
+    <p:sldId id="316" r:id="rId19"/>
   </p:sldIdLst>
   <p:sldSz cx="12192000" cy="6858000"/>
   <p:notesSz cx="6858000" cy="9144000"/>
@@ -5544,7 +5541,7 @@
         <p:spPr>
           <a:xfrm>
             <a:off x="3868420" y="141605"/>
-            <a:ext cx="2212975" cy="521970"/>
+            <a:ext cx="1501775" cy="521970"/>
           </a:xfrm>
           <a:prstGeom prst="rect">
             <a:avLst/>
@@ -5572,18 +5569,189 @@
                 <a:cs typeface="微软雅黑" panose="020B0503020204020204" pitchFamily="34" charset="-122"/>
                 <a:sym typeface="+mn-ea"/>
               </a:rPr>
-              <a:t>业务</a:t>
-            </a:r>
-            <a:r>
-              <a:rPr lang="zh-CN" altLang="en-US" sz="2800">
+              <a:t>总结</a:t>
+            </a:r>
+            <a:endParaRPr lang="zh-CN" altLang="en-US" sz="2800">
+              <a:latin typeface="微软雅黑" panose="020B0503020204020204" pitchFamily="34" charset="-122"/>
+              <a:ea typeface="微软雅黑" panose="020B0503020204020204" pitchFamily="34" charset="-122"/>
+              <a:cs typeface="微软雅黑" panose="020B0503020204020204" pitchFamily="34" charset="-122"/>
+            </a:endParaRPr>
+          </a:p>
+        </p:txBody>
+      </p:sp>
+      <p:sp>
+        <p:nvSpPr>
+          <p:cNvPr id="3" name="文本框 2"/>
+          <p:cNvSpPr txBox="1"/>
+          <p:nvPr/>
+        </p:nvSpPr>
+        <p:spPr>
+          <a:xfrm>
+            <a:off x="1614170" y="1267460"/>
+            <a:ext cx="4808855" cy="460375"/>
+          </a:xfrm>
+          <a:prstGeom prst="rect">
+            <a:avLst/>
+          </a:prstGeom>
+          <a:noFill/>
+        </p:spPr>
+        <p:txBody>
+          <a:bodyPr wrap="none" rtlCol="0">
+            <a:spAutoFit/>
+          </a:bodyPr>
+          <a:p>
+            <a:r>
+              <a:rPr lang="en-US" altLang="zh-CN" sz="2400">
                 <a:latin typeface="微软雅黑" panose="020B0503020204020204" pitchFamily="34" charset="-122"/>
                 <a:ea typeface="微软雅黑" panose="020B0503020204020204" pitchFamily="34" charset="-122"/>
                 <a:cs typeface="微软雅黑" panose="020B0503020204020204" pitchFamily="34" charset="-122"/>
-                <a:sym typeface="+mn-ea"/>
-              </a:rPr>
-              <a:t>总结</a:t>
-            </a:r>
-            <a:endParaRPr lang="zh-CN" altLang="en-US" sz="2800">
+              </a:rPr>
+              <a:t>1  </a:t>
+            </a:r>
+            <a:r>
+              <a:rPr lang="zh-CN" altLang="en-US" sz="2400">
+                <a:latin typeface="微软雅黑" panose="020B0503020204020204" pitchFamily="34" charset="-122"/>
+                <a:ea typeface="微软雅黑" panose="020B0503020204020204" pitchFamily="34" charset="-122"/>
+                <a:cs typeface="微软雅黑" panose="020B0503020204020204" pitchFamily="34" charset="-122"/>
+              </a:rPr>
+              <a:t>泛型对于对象与对象之间的解耦</a:t>
+            </a:r>
+            <a:endParaRPr lang="zh-CN" altLang="en-US" sz="2400">
+              <a:latin typeface="微软雅黑" panose="020B0503020204020204" pitchFamily="34" charset="-122"/>
+              <a:ea typeface="微软雅黑" panose="020B0503020204020204" pitchFamily="34" charset="-122"/>
+              <a:cs typeface="微软雅黑" panose="020B0503020204020204" pitchFamily="34" charset="-122"/>
+            </a:endParaRPr>
+          </a:p>
+        </p:txBody>
+      </p:sp>
+      <p:sp>
+        <p:nvSpPr>
+          <p:cNvPr id="4" name="文本框 3"/>
+          <p:cNvSpPr txBox="1"/>
+          <p:nvPr/>
+        </p:nvSpPr>
+        <p:spPr>
+          <a:xfrm>
+            <a:off x="1614170" y="1992630"/>
+            <a:ext cx="3194685" cy="460375"/>
+          </a:xfrm>
+          <a:prstGeom prst="rect">
+            <a:avLst/>
+          </a:prstGeom>
+          <a:noFill/>
+        </p:spPr>
+        <p:txBody>
+          <a:bodyPr wrap="none" rtlCol="0">
+            <a:spAutoFit/>
+          </a:bodyPr>
+          <a:p>
+            <a:r>
+              <a:rPr lang="en-US" altLang="zh-CN" sz="2400">
+                <a:latin typeface="微软雅黑" panose="020B0503020204020204" pitchFamily="34" charset="-122"/>
+                <a:ea typeface="微软雅黑" panose="020B0503020204020204" pitchFamily="34" charset="-122"/>
+                <a:cs typeface="微软雅黑" panose="020B0503020204020204" pitchFamily="34" charset="-122"/>
+              </a:rPr>
+              <a:t>2 </a:t>
+            </a:r>
+            <a:r>
+              <a:rPr lang="zh-CN" altLang="en-US" sz="2400">
+                <a:latin typeface="微软雅黑" panose="020B0503020204020204" pitchFamily="34" charset="-122"/>
+                <a:ea typeface="微软雅黑" panose="020B0503020204020204" pitchFamily="34" charset="-122"/>
+                <a:cs typeface="微软雅黑" panose="020B0503020204020204" pitchFamily="34" charset="-122"/>
+              </a:rPr>
+              <a:t>提炼业务的公共行为</a:t>
+            </a:r>
+            <a:endParaRPr lang="zh-CN" altLang="en-US" sz="2400">
+              <a:latin typeface="微软雅黑" panose="020B0503020204020204" pitchFamily="34" charset="-122"/>
+              <a:ea typeface="微软雅黑" panose="020B0503020204020204" pitchFamily="34" charset="-122"/>
+              <a:cs typeface="微软雅黑" panose="020B0503020204020204" pitchFamily="34" charset="-122"/>
+            </a:endParaRPr>
+          </a:p>
+        </p:txBody>
+      </p:sp>
+      <p:sp>
+        <p:nvSpPr>
+          <p:cNvPr id="5" name="文本框 4"/>
+          <p:cNvSpPr txBox="1"/>
+          <p:nvPr/>
+        </p:nvSpPr>
+        <p:spPr>
+          <a:xfrm>
+            <a:off x="1614170" y="2813685"/>
+            <a:ext cx="2280285" cy="460375"/>
+          </a:xfrm>
+          <a:prstGeom prst="rect">
+            <a:avLst/>
+          </a:prstGeom>
+          <a:noFill/>
+        </p:spPr>
+        <p:txBody>
+          <a:bodyPr wrap="none" rtlCol="0">
+            <a:spAutoFit/>
+          </a:bodyPr>
+          <a:p>
+            <a:r>
+              <a:rPr lang="en-US" altLang="zh-CN" sz="2400">
+                <a:latin typeface="微软雅黑" panose="020B0503020204020204" pitchFamily="34" charset="-122"/>
+                <a:ea typeface="微软雅黑" panose="020B0503020204020204" pitchFamily="34" charset="-122"/>
+                <a:cs typeface="微软雅黑" panose="020B0503020204020204" pitchFamily="34" charset="-122"/>
+              </a:rPr>
+              <a:t>3 </a:t>
+            </a:r>
+            <a:r>
+              <a:rPr lang="zh-CN" altLang="en-US" sz="2400">
+                <a:latin typeface="微软雅黑" panose="020B0503020204020204" pitchFamily="34" charset="-122"/>
+                <a:ea typeface="微软雅黑" panose="020B0503020204020204" pitchFamily="34" charset="-122"/>
+                <a:cs typeface="微软雅黑" panose="020B0503020204020204" pitchFamily="34" charset="-122"/>
+              </a:rPr>
+              <a:t>面向接口编程</a:t>
+            </a:r>
+            <a:endParaRPr lang="zh-CN" altLang="en-US" sz="2400">
+              <a:latin typeface="微软雅黑" panose="020B0503020204020204" pitchFamily="34" charset="-122"/>
+              <a:ea typeface="微软雅黑" panose="020B0503020204020204" pitchFamily="34" charset="-122"/>
+              <a:cs typeface="微软雅黑" panose="020B0503020204020204" pitchFamily="34" charset="-122"/>
+            </a:endParaRPr>
+          </a:p>
+        </p:txBody>
+      </p:sp>
+      <p:sp>
+        <p:nvSpPr>
+          <p:cNvPr id="6" name="文本框 5"/>
+          <p:cNvSpPr txBox="1"/>
+          <p:nvPr/>
+        </p:nvSpPr>
+        <p:spPr>
+          <a:xfrm>
+            <a:off x="1614170" y="3490595"/>
+            <a:ext cx="2980055" cy="460375"/>
+          </a:xfrm>
+          <a:prstGeom prst="rect">
+            <a:avLst/>
+          </a:prstGeom>
+          <a:noFill/>
+        </p:spPr>
+        <p:txBody>
+          <a:bodyPr wrap="none" rtlCol="0">
+            <a:spAutoFit/>
+          </a:bodyPr>
+          <a:p>
+            <a:r>
+              <a:rPr lang="en-US" altLang="zh-CN" sz="2400">
+                <a:latin typeface="微软雅黑" panose="020B0503020204020204" pitchFamily="34" charset="-122"/>
+                <a:ea typeface="微软雅黑" panose="020B0503020204020204" pitchFamily="34" charset="-122"/>
+                <a:cs typeface="微软雅黑" panose="020B0503020204020204" pitchFamily="34" charset="-122"/>
+              </a:rPr>
+              <a:t>4 </a:t>
+            </a:r>
+            <a:r>
+              <a:rPr lang="zh-CN" altLang="en-US" sz="2400">
+                <a:latin typeface="微软雅黑" panose="020B0503020204020204" pitchFamily="34" charset="-122"/>
+                <a:ea typeface="微软雅黑" panose="020B0503020204020204" pitchFamily="34" charset="-122"/>
+                <a:cs typeface="微软雅黑" panose="020B0503020204020204" pitchFamily="34" charset="-122"/>
+              </a:rPr>
+              <a:t>设计模式 策略模式</a:t>
+            </a:r>
+            <a:endParaRPr lang="en-US" altLang="zh-CN" sz="2400">
               <a:latin typeface="微软雅黑" panose="020B0503020204020204" pitchFamily="34" charset="-122"/>
               <a:ea typeface="微软雅黑" panose="020B0503020204020204" pitchFamily="34" charset="-122"/>
               <a:cs typeface="微软雅黑" panose="020B0503020204020204" pitchFamily="34" charset="-122"/>
@@ -5596,85 +5764,455 @@
   <p:clrMapOvr>
     <a:masterClrMapping/>
   </p:clrMapOvr>
+  <p:transition>
+    <p:push dir="r"/>
+  </p:transition>
+  <p:timing>
+    <p:tnLst>
+      <p:par>
+        <p:cTn id="1" dur="indefinite" restart="never" nodeType="tmRoot">
+          <p:childTnLst>
+            <p:seq concurrent="1" nextAc="seek">
+              <p:cTn id="2" dur="indefinite" nodeType="mainSeq">
+                <p:childTnLst>
+                  <p:par>
+                    <p:cTn id="3" fill="hold">
+                      <p:stCondLst>
+                        <p:cond delay="indefinite"/>
+                      </p:stCondLst>
+                      <p:childTnLst>
+                        <p:par>
+                          <p:cTn id="4" fill="hold">
+                            <p:stCondLst>
+                              <p:cond delay="0"/>
+                            </p:stCondLst>
+                            <p:childTnLst>
+                              <p:par>
+                                <p:cTn id="5" presetID="2" presetClass="entr" presetSubtype="4" fill="hold" nodeType="clickEffect">
+                                  <p:stCondLst>
+                                    <p:cond delay="0"/>
+                                  </p:stCondLst>
+                                  <p:childTnLst>
+                                    <p:set>
+                                      <p:cBhvr>
+                                        <p:cTn id="6" dur="1" fill="hold">
+                                          <p:stCondLst>
+                                            <p:cond delay="0"/>
+                                          </p:stCondLst>
+                                        </p:cTn>
+                                        <p:tgtEl>
+                                          <p:spTgt spid="3">
+                                            <p:txEl>
+                                              <p:pRg st="0" end="0"/>
+                                            </p:txEl>
+                                          </p:spTgt>
+                                        </p:tgtEl>
+                                        <p:attrNameLst>
+                                          <p:attrName>style.visibility</p:attrName>
+                                        </p:attrNameLst>
+                                      </p:cBhvr>
+                                      <p:to>
+                                        <p:strVal val="visible"/>
+                                      </p:to>
+                                    </p:set>
+                                    <p:anim calcmode="lin" valueType="num">
+                                      <p:cBhvr additive="base">
+                                        <p:cTn id="7" dur="500" fill="hold"/>
+                                        <p:tgtEl>
+                                          <p:spTgt spid="3">
+                                            <p:txEl>
+                                              <p:pRg st="0" end="0"/>
+                                            </p:txEl>
+                                          </p:spTgt>
+                                        </p:tgtEl>
+                                        <p:attrNameLst>
+                                          <p:attrName>ppt_x</p:attrName>
+                                        </p:attrNameLst>
+                                      </p:cBhvr>
+                                      <p:tavLst>
+                                        <p:tav tm="0">
+                                          <p:val>
+                                            <p:strVal val="#ppt_x"/>
+                                          </p:val>
+                                        </p:tav>
+                                        <p:tav tm="100000">
+                                          <p:val>
+                                            <p:strVal val="#ppt_x"/>
+                                          </p:val>
+                                        </p:tav>
+                                      </p:tavLst>
+                                    </p:anim>
+                                    <p:anim calcmode="lin" valueType="num">
+                                      <p:cBhvr additive="base">
+                                        <p:cTn id="8" dur="500" fill="hold"/>
+                                        <p:tgtEl>
+                                          <p:spTgt spid="3">
+                                            <p:txEl>
+                                              <p:pRg st="0" end="0"/>
+                                            </p:txEl>
+                                          </p:spTgt>
+                                        </p:tgtEl>
+                                        <p:attrNameLst>
+                                          <p:attrName>ppt_y</p:attrName>
+                                        </p:attrNameLst>
+                                      </p:cBhvr>
+                                      <p:tavLst>
+                                        <p:tav tm="0">
+                                          <p:val>
+                                            <p:strVal val="1+#ppt_h/2"/>
+                                          </p:val>
+                                        </p:tav>
+                                        <p:tav tm="100000">
+                                          <p:val>
+                                            <p:strVal val="#ppt_y"/>
+                                          </p:val>
+                                        </p:tav>
+                                      </p:tavLst>
+                                    </p:anim>
+                                  </p:childTnLst>
+                                </p:cTn>
+                              </p:par>
+                            </p:childTnLst>
+                          </p:cTn>
+                        </p:par>
+                      </p:childTnLst>
+                    </p:cTn>
+                  </p:par>
+                  <p:par>
+                    <p:cTn id="9" fill="hold">
+                      <p:stCondLst>
+                        <p:cond delay="indefinite"/>
+                      </p:stCondLst>
+                      <p:childTnLst>
+                        <p:par>
+                          <p:cTn id="10" fill="hold">
+                            <p:stCondLst>
+                              <p:cond delay="0"/>
+                            </p:stCondLst>
+                            <p:childTnLst>
+                              <p:par>
+                                <p:cTn id="11" presetID="2" presetClass="entr" presetSubtype="4" fill="hold" nodeType="clickEffect">
+                                  <p:stCondLst>
+                                    <p:cond delay="0"/>
+                                  </p:stCondLst>
+                                  <p:childTnLst>
+                                    <p:set>
+                                      <p:cBhvr>
+                                        <p:cTn id="12" dur="1" fill="hold">
+                                          <p:stCondLst>
+                                            <p:cond delay="0"/>
+                                          </p:stCondLst>
+                                        </p:cTn>
+                                        <p:tgtEl>
+                                          <p:spTgt spid="4">
+                                            <p:txEl>
+                                              <p:pRg st="0" end="0"/>
+                                            </p:txEl>
+                                          </p:spTgt>
+                                        </p:tgtEl>
+                                        <p:attrNameLst>
+                                          <p:attrName>style.visibility</p:attrName>
+                                        </p:attrNameLst>
+                                      </p:cBhvr>
+                                      <p:to>
+                                        <p:strVal val="visible"/>
+                                      </p:to>
+                                    </p:set>
+                                    <p:anim calcmode="lin" valueType="num">
+                                      <p:cBhvr additive="base">
+                                        <p:cTn id="13" dur="500" fill="hold"/>
+                                        <p:tgtEl>
+                                          <p:spTgt spid="4">
+                                            <p:txEl>
+                                              <p:pRg st="0" end="0"/>
+                                            </p:txEl>
+                                          </p:spTgt>
+                                        </p:tgtEl>
+                                        <p:attrNameLst>
+                                          <p:attrName>ppt_x</p:attrName>
+                                        </p:attrNameLst>
+                                      </p:cBhvr>
+                                      <p:tavLst>
+                                        <p:tav tm="0">
+                                          <p:val>
+                                            <p:strVal val="#ppt_x"/>
+                                          </p:val>
+                                        </p:tav>
+                                        <p:tav tm="100000">
+                                          <p:val>
+                                            <p:strVal val="#ppt_x"/>
+                                          </p:val>
+                                        </p:tav>
+                                      </p:tavLst>
+                                    </p:anim>
+                                    <p:anim calcmode="lin" valueType="num">
+                                      <p:cBhvr additive="base">
+                                        <p:cTn id="14" dur="500" fill="hold"/>
+                                        <p:tgtEl>
+                                          <p:spTgt spid="4">
+                                            <p:txEl>
+                                              <p:pRg st="0" end="0"/>
+                                            </p:txEl>
+                                          </p:spTgt>
+                                        </p:tgtEl>
+                                        <p:attrNameLst>
+                                          <p:attrName>ppt_y</p:attrName>
+                                        </p:attrNameLst>
+                                      </p:cBhvr>
+                                      <p:tavLst>
+                                        <p:tav tm="0">
+                                          <p:val>
+                                            <p:strVal val="1+#ppt_h/2"/>
+                                          </p:val>
+                                        </p:tav>
+                                        <p:tav tm="100000">
+                                          <p:val>
+                                            <p:strVal val="#ppt_y"/>
+                                          </p:val>
+                                        </p:tav>
+                                      </p:tavLst>
+                                    </p:anim>
+                                  </p:childTnLst>
+                                </p:cTn>
+                              </p:par>
+                            </p:childTnLst>
+                          </p:cTn>
+                        </p:par>
+                      </p:childTnLst>
+                    </p:cTn>
+                  </p:par>
+                  <p:par>
+                    <p:cTn id="15" fill="hold">
+                      <p:stCondLst>
+                        <p:cond delay="indefinite"/>
+                      </p:stCondLst>
+                      <p:childTnLst>
+                        <p:par>
+                          <p:cTn id="16" fill="hold">
+                            <p:stCondLst>
+                              <p:cond delay="0"/>
+                            </p:stCondLst>
+                            <p:childTnLst>
+                              <p:par>
+                                <p:cTn id="17" presetID="2" presetClass="entr" presetSubtype="4" fill="hold" nodeType="clickEffect">
+                                  <p:stCondLst>
+                                    <p:cond delay="0"/>
+                                  </p:stCondLst>
+                                  <p:childTnLst>
+                                    <p:set>
+                                      <p:cBhvr>
+                                        <p:cTn id="18" dur="1" fill="hold">
+                                          <p:stCondLst>
+                                            <p:cond delay="0"/>
+                                          </p:stCondLst>
+                                        </p:cTn>
+                                        <p:tgtEl>
+                                          <p:spTgt spid="5">
+                                            <p:txEl>
+                                              <p:pRg st="0" end="0"/>
+                                            </p:txEl>
+                                          </p:spTgt>
+                                        </p:tgtEl>
+                                        <p:attrNameLst>
+                                          <p:attrName>style.visibility</p:attrName>
+                                        </p:attrNameLst>
+                                      </p:cBhvr>
+                                      <p:to>
+                                        <p:strVal val="visible"/>
+                                      </p:to>
+                                    </p:set>
+                                    <p:anim calcmode="lin" valueType="num">
+                                      <p:cBhvr additive="base">
+                                        <p:cTn id="19" dur="500" fill="hold"/>
+                                        <p:tgtEl>
+                                          <p:spTgt spid="5">
+                                            <p:txEl>
+                                              <p:pRg st="0" end="0"/>
+                                            </p:txEl>
+                                          </p:spTgt>
+                                        </p:tgtEl>
+                                        <p:attrNameLst>
+                                          <p:attrName>ppt_x</p:attrName>
+                                        </p:attrNameLst>
+                                      </p:cBhvr>
+                                      <p:tavLst>
+                                        <p:tav tm="0">
+                                          <p:val>
+                                            <p:strVal val="#ppt_x"/>
+                                          </p:val>
+                                        </p:tav>
+                                        <p:tav tm="100000">
+                                          <p:val>
+                                            <p:strVal val="#ppt_x"/>
+                                          </p:val>
+                                        </p:tav>
+                                      </p:tavLst>
+                                    </p:anim>
+                                    <p:anim calcmode="lin" valueType="num">
+                                      <p:cBhvr additive="base">
+                                        <p:cTn id="20" dur="500" fill="hold"/>
+                                        <p:tgtEl>
+                                          <p:spTgt spid="5">
+                                            <p:txEl>
+                                              <p:pRg st="0" end="0"/>
+                                            </p:txEl>
+                                          </p:spTgt>
+                                        </p:tgtEl>
+                                        <p:attrNameLst>
+                                          <p:attrName>ppt_y</p:attrName>
+                                        </p:attrNameLst>
+                                      </p:cBhvr>
+                                      <p:tavLst>
+                                        <p:tav tm="0">
+                                          <p:val>
+                                            <p:strVal val="1+#ppt_h/2"/>
+                                          </p:val>
+                                        </p:tav>
+                                        <p:tav tm="100000">
+                                          <p:val>
+                                            <p:strVal val="#ppt_y"/>
+                                          </p:val>
+                                        </p:tav>
+                                      </p:tavLst>
+                                    </p:anim>
+                                  </p:childTnLst>
+                                </p:cTn>
+                              </p:par>
+                            </p:childTnLst>
+                          </p:cTn>
+                        </p:par>
+                      </p:childTnLst>
+                    </p:cTn>
+                  </p:par>
+                  <p:par>
+                    <p:cTn id="21" fill="hold">
+                      <p:stCondLst>
+                        <p:cond delay="indefinite"/>
+                      </p:stCondLst>
+                      <p:childTnLst>
+                        <p:par>
+                          <p:cTn id="22" fill="hold">
+                            <p:stCondLst>
+                              <p:cond delay="0"/>
+                            </p:stCondLst>
+                            <p:childTnLst>
+                              <p:par>
+                                <p:cTn id="23" presetID="2" presetClass="entr" presetSubtype="4" fill="hold" nodeType="clickEffect">
+                                  <p:stCondLst>
+                                    <p:cond delay="0"/>
+                                  </p:stCondLst>
+                                  <p:childTnLst>
+                                    <p:set>
+                                      <p:cBhvr>
+                                        <p:cTn id="24" dur="1" fill="hold">
+                                          <p:stCondLst>
+                                            <p:cond delay="0"/>
+                                          </p:stCondLst>
+                                        </p:cTn>
+                                        <p:tgtEl>
+                                          <p:spTgt spid="6">
+                                            <p:txEl>
+                                              <p:pRg st="0" end="0"/>
+                                            </p:txEl>
+                                          </p:spTgt>
+                                        </p:tgtEl>
+                                        <p:attrNameLst>
+                                          <p:attrName>style.visibility</p:attrName>
+                                        </p:attrNameLst>
+                                      </p:cBhvr>
+                                      <p:to>
+                                        <p:strVal val="visible"/>
+                                      </p:to>
+                                    </p:set>
+                                    <p:anim calcmode="lin" valueType="num">
+                                      <p:cBhvr additive="base">
+                                        <p:cTn id="25" dur="500" fill="hold"/>
+                                        <p:tgtEl>
+                                          <p:spTgt spid="6">
+                                            <p:txEl>
+                                              <p:pRg st="0" end="0"/>
+                                            </p:txEl>
+                                          </p:spTgt>
+                                        </p:tgtEl>
+                                        <p:attrNameLst>
+                                          <p:attrName>ppt_x</p:attrName>
+                                        </p:attrNameLst>
+                                      </p:cBhvr>
+                                      <p:tavLst>
+                                        <p:tav tm="0">
+                                          <p:val>
+                                            <p:strVal val="#ppt_x"/>
+                                          </p:val>
+                                        </p:tav>
+                                        <p:tav tm="100000">
+                                          <p:val>
+                                            <p:strVal val="#ppt_x"/>
+                                          </p:val>
+                                        </p:tav>
+                                      </p:tavLst>
+                                    </p:anim>
+                                    <p:anim calcmode="lin" valueType="num">
+                                      <p:cBhvr additive="base">
+                                        <p:cTn id="26" dur="500" fill="hold"/>
+                                        <p:tgtEl>
+                                          <p:spTgt spid="6">
+                                            <p:txEl>
+                                              <p:pRg st="0" end="0"/>
+                                            </p:txEl>
+                                          </p:spTgt>
+                                        </p:tgtEl>
+                                        <p:attrNameLst>
+                                          <p:attrName>ppt_y</p:attrName>
+                                        </p:attrNameLst>
+                                      </p:cBhvr>
+                                      <p:tavLst>
+                                        <p:tav tm="0">
+                                          <p:val>
+                                            <p:strVal val="1+#ppt_h/2"/>
+                                          </p:val>
+                                        </p:tav>
+                                        <p:tav tm="100000">
+                                          <p:val>
+                                            <p:strVal val="#ppt_y"/>
+                                          </p:val>
+                                        </p:tav>
+                                      </p:tavLst>
+                                    </p:anim>
+                                  </p:childTnLst>
+                                </p:cTn>
+                              </p:par>
+                            </p:childTnLst>
+                          </p:cTn>
+                        </p:par>
+                      </p:childTnLst>
+                    </p:cTn>
+                  </p:par>
+                </p:childTnLst>
+              </p:cTn>
+              <p:prevCondLst>
+                <p:cond evt="onPrev" delay="0">
+                  <p:tgtEl>
+                    <p:sldTgt/>
+                  </p:tgtEl>
+                </p:cond>
+              </p:prevCondLst>
+              <p:nextCondLst>
+                <p:cond evt="onNext" delay="0">
+                  <p:tgtEl>
+                    <p:sldTgt/>
+                  </p:tgtEl>
+                </p:cond>
+              </p:nextCondLst>
+            </p:seq>
+          </p:childTnLst>
+        </p:cTn>
+      </p:par>
+    </p:tnLst>
+  </p:timing>
 </p:sld>
 </file>
 
 <file path=ppt/slides/slide16.xml><?xml version="1.0" encoding="utf-8"?>
-<p:sld xmlns:a="http://schemas.openxmlformats.org/drawingml/2006/main" xmlns:r="http://schemas.openxmlformats.org/officeDocument/2006/relationships" xmlns:p="http://schemas.openxmlformats.org/presentationml/2006/main">
-  <p:cSld>
-    <p:spTree>
-      <p:nvGrpSpPr>
-        <p:cNvPr id="1" name=""/>
-        <p:cNvGrpSpPr/>
-        <p:nvPr/>
-      </p:nvGrpSpPr>
-      <p:grpSpPr>
-        <a:xfrm>
-          <a:off x="0" y="0"/>
-          <a:ext cx="0" cy="0"/>
-          <a:chOff x="0" y="0"/>
-          <a:chExt cx="0" cy="0"/>
-        </a:xfrm>
-      </p:grpSpPr>
-    </p:spTree>
-  </p:cSld>
-  <p:clrMapOvr>
-    <a:masterClrMapping/>
-  </p:clrMapOvr>
-</p:sld>
-</file>
-
-<file path=ppt/slides/slide17.xml><?xml version="1.0" encoding="utf-8"?>
-<p:sld xmlns:a="http://schemas.openxmlformats.org/drawingml/2006/main" xmlns:r="http://schemas.openxmlformats.org/officeDocument/2006/relationships" xmlns:p="http://schemas.openxmlformats.org/presentationml/2006/main">
-  <p:cSld>
-    <p:spTree>
-      <p:nvGrpSpPr>
-        <p:cNvPr id="1" name=""/>
-        <p:cNvGrpSpPr/>
-        <p:nvPr/>
-      </p:nvGrpSpPr>
-      <p:grpSpPr>
-        <a:xfrm>
-          <a:off x="0" y="0"/>
-          <a:ext cx="0" cy="0"/>
-          <a:chOff x="0" y="0"/>
-          <a:chExt cx="0" cy="0"/>
-        </a:xfrm>
-      </p:grpSpPr>
-    </p:spTree>
-  </p:cSld>
-  <p:clrMapOvr>
-    <a:masterClrMapping/>
-  </p:clrMapOvr>
-</p:sld>
-</file>
-
-<file path=ppt/slides/slide18.xml><?xml version="1.0" encoding="utf-8"?>
-<p:sld xmlns:a="http://schemas.openxmlformats.org/drawingml/2006/main" xmlns:r="http://schemas.openxmlformats.org/officeDocument/2006/relationships" xmlns:p="http://schemas.openxmlformats.org/presentationml/2006/main">
-  <p:cSld>
-    <p:spTree>
-      <p:nvGrpSpPr>
-        <p:cNvPr id="1" name=""/>
-        <p:cNvGrpSpPr/>
-        <p:nvPr/>
-      </p:nvGrpSpPr>
-      <p:grpSpPr>
-        <a:xfrm>
-          <a:off x="0" y="0"/>
-          <a:ext cx="0" cy="0"/>
-          <a:chOff x="0" y="0"/>
-          <a:chExt cx="0" cy="0"/>
-        </a:xfrm>
-      </p:grpSpPr>
-    </p:spTree>
-  </p:cSld>
-  <p:clrMapOvr>
-    <a:masterClrMapping/>
-  </p:clrMapOvr>
-</p:sld>
-</file>
-
-<file path=ppt/slides/slide19.xml><?xml version="1.0" encoding="utf-8"?>
 <p:sld xmlns:a="http://schemas.openxmlformats.org/drawingml/2006/main" xmlns:r="http://schemas.openxmlformats.org/officeDocument/2006/relationships" xmlns:p="http://schemas.openxmlformats.org/presentationml/2006/main">
   <p:cSld>
     <p:spTree>
